--- a/ComposableEquality.pptx
+++ b/ComposableEquality.pptx
@@ -2,7 +2,7 @@
 <file path=ppt/presentation.xml><?xml version="1.0" encoding="utf-8"?>
 <p:presentation xmlns:a="http://schemas.openxmlformats.org/drawingml/2006/main" xmlns:r="http://schemas.openxmlformats.org/officeDocument/2006/relationships" xmlns:p="http://schemas.openxmlformats.org/presentationml/2006/main" saveSubsetFonts="1">
   <p:sldMasterIdLst>
-    <p:sldMasterId id="2147483771" r:id="rId1"/>
+    <p:sldMasterId id="2147483820" r:id="rId1"/>
   </p:sldMasterIdLst>
   <p:sldIdLst>
     <p:sldId id="256" r:id="rId2"/>
@@ -143,21 +143,28 @@
         </p:nvSpPr>
         <p:spPr>
           <a:xfrm>
-            <a:off x="820738" y="4155141"/>
-            <a:ext cx="7542212" cy="1013012"/>
+            <a:off x="685800" y="609601"/>
+            <a:ext cx="7772400" cy="4267200"/>
           </a:xfrm>
         </p:spPr>
         <p:txBody>
-          <a:bodyPr anchor="b" anchorCtr="0">
+          <a:bodyPr anchor="b">
             <a:noAutofit/>
           </a:bodyPr>
-          <a:lstStyle/>
+          <a:lstStyle>
+            <a:lvl1pPr>
+              <a:lnSpc>
+                <a:spcPct val="100000"/>
+              </a:lnSpc>
+              <a:defRPr sz="8000"/>
+            </a:lvl1pPr>
+          </a:lstStyle>
           <a:p>
             <a:r>
               <a:rPr lang="en-AU" smtClean="0"/>
               <a:t>Click to edit Master title style</a:t>
             </a:r>
-            <a:endParaRPr/>
+            <a:endParaRPr lang="en-US" dirty="0"/>
           </a:p>
         </p:txBody>
       </p:sp>
@@ -173,19 +180,18 @@
         </p:nvSpPr>
         <p:spPr>
           <a:xfrm>
-            <a:off x="820738" y="5230906"/>
-            <a:ext cx="7542212" cy="1030942"/>
+            <a:off x="1371600" y="4953000"/>
+            <a:ext cx="6400800" cy="1219200"/>
           </a:xfrm>
         </p:spPr>
         <p:txBody>
-          <a:bodyPr/>
+          <a:bodyPr>
+            <a:normAutofit/>
+          </a:bodyPr>
           <a:lstStyle>
             <a:lvl1pPr marL="0" indent="0" algn="ctr">
-              <a:spcBef>
-                <a:spcPct val="300"/>
-              </a:spcBef>
-              <a:buNone/>
-              <a:defRPr>
+              <a:buNone/>
+              <a:defRPr sz="2400">
                 <a:solidFill>
                   <a:schemeClr val="tx1">
                     <a:tint val="75000"/>
@@ -276,16 +282,16 @@
           </a:lstStyle>
           <a:p>
             <a:r>
-              <a:rPr lang="en-AU" dirty="0" smtClean="0"/>
+              <a:rPr lang="en-AU" smtClean="0"/>
               <a:t>Click to edit Master subtitle style</a:t>
             </a:r>
-            <a:endParaRPr dirty="0"/>
-          </a:p>
-        </p:txBody>
-      </p:sp>
-      <p:sp>
-        <p:nvSpPr>
-          <p:cNvPr id="4" name="Date Placeholder 3"/>
+            <a:endParaRPr lang="en-US" dirty="0"/>
+          </a:p>
+        </p:txBody>
+      </p:sp>
+      <p:sp>
+        <p:nvSpPr>
+          <p:cNvPr id="7" name="Date Placeholder 6"/>
           <p:cNvSpPr>
             <a:spLocks noGrp="1"/>
           </p:cNvSpPr>
@@ -308,31 +314,12 @@
       </p:sp>
       <p:sp>
         <p:nvSpPr>
-          <p:cNvPr id="5" name="Footer Placeholder 4"/>
-          <p:cNvSpPr>
-            <a:spLocks noGrp="1"/>
-          </p:cNvSpPr>
-          <p:nvPr>
-            <p:ph type="ftr" sz="quarter" idx="11"/>
-          </p:nvPr>
-        </p:nvSpPr>
-        <p:spPr/>
-        <p:txBody>
-          <a:bodyPr/>
-          <a:lstStyle/>
-          <a:p>
-            <a:endParaRPr lang="en-US"/>
-          </a:p>
-        </p:txBody>
-      </p:sp>
-      <p:sp>
-        <p:nvSpPr>
-          <p:cNvPr id="6" name="Slide Number Placeholder 5"/>
-          <p:cNvSpPr>
-            <a:spLocks noGrp="1"/>
-          </p:cNvSpPr>
-          <p:nvPr>
-            <p:ph type="sldNum" sz="quarter" idx="12"/>
+          <p:cNvPr id="8" name="Slide Number Placeholder 7"/>
+          <p:cNvSpPr>
+            <a:spLocks noGrp="1"/>
+          </p:cNvSpPr>
+          <p:nvPr>
+            <p:ph type="sldNum" sz="quarter" idx="11"/>
           </p:nvPr>
         </p:nvSpPr>
         <p:spPr/>
@@ -348,30 +335,25 @@
           </a:p>
         </p:txBody>
       </p:sp>
-      <p:pic>
-        <p:nvPicPr>
-          <p:cNvPr id="7" name="Picture 6" descr="MoleculeTracer.png"/>
-          <p:cNvPicPr>
-            <a:picLocks noChangeAspect="1"/>
-          </p:cNvPicPr>
-          <p:nvPr/>
-        </p:nvPicPr>
-        <p:blipFill>
-          <a:blip r:embed="rId2"/>
-          <a:stretch>
-            <a:fillRect/>
-          </a:stretch>
-        </p:blipFill>
-        <p:spPr>
-          <a:xfrm>
-            <a:off x="1674019" y="224679"/>
-            <a:ext cx="5795963" cy="3943372"/>
-          </a:xfrm>
-          <a:prstGeom prst="rect">
-            <a:avLst/>
-          </a:prstGeom>
-        </p:spPr>
-      </p:pic>
+      <p:sp>
+        <p:nvSpPr>
+          <p:cNvPr id="9" name="Footer Placeholder 8"/>
+          <p:cNvSpPr>
+            <a:spLocks noGrp="1"/>
+          </p:cNvSpPr>
+          <p:nvPr>
+            <p:ph type="ftr" sz="quarter" idx="12"/>
+          </p:nvPr>
+        </p:nvSpPr>
+        <p:spPr/>
+        <p:txBody>
+          <a:bodyPr/>
+          <a:lstStyle/>
+          <a:p>
+            <a:endParaRPr lang="en-US"/>
+          </a:p>
+        </p:txBody>
+      </p:sp>
     </p:spTree>
   </p:cSld>
   <p:clrMapOvr>
@@ -381,339 +363,6 @@
 </file>
 
 <file path=ppt/slideLayouts/slideLayout10.xml><?xml version="1.0" encoding="utf-8"?>
-<p:sldLayout xmlns:a="http://schemas.openxmlformats.org/drawingml/2006/main" xmlns:r="http://schemas.openxmlformats.org/officeDocument/2006/relationships" xmlns:p="http://schemas.openxmlformats.org/presentationml/2006/main" type="picTx" preserve="1">
-  <p:cSld name="Picture above Caption">
-    <p:spTree>
-      <p:nvGrpSpPr>
-        <p:cNvPr id="1" name=""/>
-        <p:cNvGrpSpPr/>
-        <p:nvPr/>
-      </p:nvGrpSpPr>
-      <p:grpSpPr>
-        <a:xfrm>
-          <a:off x="0" y="0"/>
-          <a:ext cx="0" cy="0"/>
-          <a:chOff x="0" y="0"/>
-          <a:chExt cx="0" cy="0"/>
-        </a:xfrm>
-      </p:grpSpPr>
-      <p:sp>
-        <p:nvSpPr>
-          <p:cNvPr id="2" name="Title 1"/>
-          <p:cNvSpPr>
-            <a:spLocks noGrp="1"/>
-          </p:cNvSpPr>
-          <p:nvPr>
-            <p:ph type="title"/>
-          </p:nvPr>
-        </p:nvSpPr>
-        <p:spPr>
-          <a:xfrm>
-            <a:off x="777240" y="3962399"/>
-            <a:ext cx="7585710" cy="672353"/>
-          </a:xfrm>
-        </p:spPr>
-        <p:txBody>
-          <a:bodyPr anchor="b">
-            <a:normAutofit/>
-          </a:bodyPr>
-          <a:lstStyle>
-            <a:lvl1pPr algn="ctr">
-              <a:defRPr sz="3600" b="1" kern="1200">
-                <a:solidFill>
-                  <a:schemeClr val="tx1"/>
-                </a:solidFill>
-                <a:effectLst>
-                  <a:outerShdw blurRad="101600" dist="63500" dir="2700000" algn="tl" rotWithShape="0">
-                    <a:prstClr val="black">
-                      <a:alpha val="75000"/>
-                    </a:prstClr>
-                  </a:outerShdw>
-                </a:effectLst>
-                <a:latin typeface="+mj-lt"/>
-                <a:ea typeface="+mj-ea"/>
-                <a:cs typeface="+mj-cs"/>
-              </a:defRPr>
-            </a:lvl1pPr>
-          </a:lstStyle>
-          <a:p>
-            <a:r>
-              <a:rPr lang="en-AU" smtClean="0"/>
-              <a:t>Click to edit Master title style</a:t>
-            </a:r>
-            <a:endParaRPr/>
-          </a:p>
-        </p:txBody>
-      </p:sp>
-      <p:sp>
-        <p:nvSpPr>
-          <p:cNvPr id="3" name="Picture Placeholder 2"/>
-          <p:cNvSpPr>
-            <a:spLocks noGrp="1"/>
-          </p:cNvSpPr>
-          <p:nvPr>
-            <p:ph type="pic" idx="1"/>
-          </p:nvPr>
-        </p:nvSpPr>
-        <p:spPr>
-          <a:xfrm>
-            <a:off x="3101957" y="457200"/>
-            <a:ext cx="2940087" cy="2940087"/>
-          </a:xfrm>
-          <a:prstGeom prst="ellipse">
-            <a:avLst/>
-          </a:prstGeom>
-          <a:solidFill>
-            <a:schemeClr val="tx1">
-              <a:lumMod val="75000"/>
-            </a:schemeClr>
-          </a:solidFill>
-          <a:ln w="63500">
-            <a:solidFill>
-              <a:schemeClr val="tx1"/>
-            </a:solidFill>
-          </a:ln>
-          <a:effectLst>
-            <a:outerShdw blurRad="254000" dist="152400" dir="5400000" sx="90000" sy="-19000" rotWithShape="0">
-              <a:prstClr val="black">
-                <a:alpha val="20000"/>
-              </a:prstClr>
-            </a:outerShdw>
-          </a:effectLst>
-        </p:spPr>
-        <p:txBody>
-          <a:bodyPr vert="horz" lIns="91440" tIns="45720" rIns="91440" bIns="45720" rtlCol="0">
-            <a:normAutofit/>
-          </a:bodyPr>
-          <a:lstStyle>
-            <a:lvl1pPr marL="0" indent="0" algn="l" defTabSz="914400" rtl="0" eaLnBrk="1" latinLnBrk="0" hangingPunct="1">
-              <a:spcBef>
-                <a:spcPts val="2000"/>
-              </a:spcBef>
-              <a:buFontTx/>
-              <a:buNone/>
-              <a:defRPr sz="2400" b="1" kern="1200">
-                <a:solidFill>
-                  <a:schemeClr val="tx1"/>
-                </a:solidFill>
-                <a:effectLst>
-                  <a:outerShdw blurRad="101600" dist="63500" dir="2700000" algn="tl" rotWithShape="0">
-                    <a:prstClr val="black">
-                      <a:alpha val="75000"/>
-                    </a:prstClr>
-                  </a:outerShdw>
-                </a:effectLst>
-                <a:latin typeface="+mn-lt"/>
-                <a:ea typeface="+mn-ea"/>
-                <a:cs typeface="+mn-cs"/>
-              </a:defRPr>
-            </a:lvl1pPr>
-            <a:lvl2pPr marL="457200" indent="0">
-              <a:buNone/>
-              <a:defRPr sz="2800"/>
-            </a:lvl2pPr>
-            <a:lvl3pPr marL="914400" indent="0">
-              <a:buNone/>
-              <a:defRPr sz="2400"/>
-            </a:lvl3pPr>
-            <a:lvl4pPr marL="1371600" indent="0">
-              <a:buNone/>
-              <a:defRPr sz="2000"/>
-            </a:lvl4pPr>
-            <a:lvl5pPr marL="1828800" indent="0">
-              <a:buNone/>
-              <a:defRPr sz="2000"/>
-            </a:lvl5pPr>
-            <a:lvl6pPr marL="2286000" indent="0">
-              <a:buNone/>
-              <a:defRPr sz="2000"/>
-            </a:lvl6pPr>
-            <a:lvl7pPr marL="2743200" indent="0">
-              <a:buNone/>
-              <a:defRPr sz="2000"/>
-            </a:lvl7pPr>
-            <a:lvl8pPr marL="3200400" indent="0">
-              <a:buNone/>
-              <a:defRPr sz="2000"/>
-            </a:lvl8pPr>
-            <a:lvl9pPr marL="3657600" indent="0">
-              <a:buNone/>
-              <a:defRPr sz="2000"/>
-            </a:lvl9pPr>
-          </a:lstStyle>
-          <a:p>
-            <a:r>
-              <a:rPr lang="en-AU" smtClean="0"/>
-              <a:t>Drag picture to placeholder or click icon to add</a:t>
-            </a:r>
-            <a:endParaRPr/>
-          </a:p>
-        </p:txBody>
-      </p:sp>
-      <p:sp>
-        <p:nvSpPr>
-          <p:cNvPr id="4" name="Text Placeholder 3"/>
-          <p:cNvSpPr>
-            <a:spLocks noGrp="1"/>
-          </p:cNvSpPr>
-          <p:nvPr>
-            <p:ph type="body" sz="half" idx="2"/>
-          </p:nvPr>
-        </p:nvSpPr>
-        <p:spPr>
-          <a:xfrm>
-            <a:off x="777240" y="4639235"/>
-            <a:ext cx="7585710" cy="1371600"/>
-          </a:xfrm>
-        </p:spPr>
-        <p:txBody>
-          <a:bodyPr vert="horz" lIns="91440" tIns="45720" rIns="91440" bIns="45720" rtlCol="0">
-            <a:normAutofit/>
-          </a:bodyPr>
-          <a:lstStyle>
-            <a:lvl1pPr marL="0" indent="0" algn="ctr">
-              <a:spcBef>
-                <a:spcPts val="0"/>
-              </a:spcBef>
-              <a:buNone/>
-              <a:defRPr sz="2000" b="1" kern="1200">
-                <a:solidFill>
-                  <a:schemeClr val="tx1"/>
-                </a:solidFill>
-                <a:effectLst>
-                  <a:outerShdw blurRad="101600" dist="63500" dir="2700000" algn="tl" rotWithShape="0">
-                    <a:prstClr val="black">
-                      <a:alpha val="75000"/>
-                    </a:prstClr>
-                  </a:outerShdw>
-                </a:effectLst>
-                <a:latin typeface="+mn-lt"/>
-                <a:ea typeface="+mn-ea"/>
-                <a:cs typeface="+mn-cs"/>
-              </a:defRPr>
-            </a:lvl1pPr>
-            <a:lvl2pPr marL="457200" indent="0">
-              <a:buNone/>
-              <a:defRPr sz="1200"/>
-            </a:lvl2pPr>
-            <a:lvl3pPr marL="914400" indent="0">
-              <a:buNone/>
-              <a:defRPr sz="1000"/>
-            </a:lvl3pPr>
-            <a:lvl4pPr marL="1371600" indent="0">
-              <a:buNone/>
-              <a:defRPr sz="900"/>
-            </a:lvl4pPr>
-            <a:lvl5pPr marL="1828800" indent="0">
-              <a:buNone/>
-              <a:defRPr sz="900"/>
-            </a:lvl5pPr>
-            <a:lvl6pPr marL="2286000" indent="0">
-              <a:buNone/>
-              <a:defRPr sz="900"/>
-            </a:lvl6pPr>
-            <a:lvl7pPr marL="2743200" indent="0">
-              <a:buNone/>
-              <a:defRPr sz="900"/>
-            </a:lvl7pPr>
-            <a:lvl8pPr marL="3200400" indent="0">
-              <a:buNone/>
-              <a:defRPr sz="900"/>
-            </a:lvl8pPr>
-            <a:lvl9pPr marL="3657600" indent="0">
-              <a:buNone/>
-              <a:defRPr sz="900"/>
-            </a:lvl9pPr>
-          </a:lstStyle>
-          <a:p>
-            <a:pPr marL="0" lvl="0" indent="0" algn="ctr" defTabSz="914400" rtl="0" eaLnBrk="1" latinLnBrk="0" hangingPunct="1">
-              <a:spcBef>
-                <a:spcPts val="2000"/>
-              </a:spcBef>
-              <a:buFontTx/>
-              <a:buNone/>
-            </a:pPr>
-            <a:r>
-              <a:rPr lang="en-AU" smtClean="0"/>
-              <a:t>Click to edit Master text styles</a:t>
-            </a:r>
-          </a:p>
-        </p:txBody>
-      </p:sp>
-      <p:sp>
-        <p:nvSpPr>
-          <p:cNvPr id="5" name="Date Placeholder 4"/>
-          <p:cNvSpPr>
-            <a:spLocks noGrp="1"/>
-          </p:cNvSpPr>
-          <p:nvPr>
-            <p:ph type="dt" sz="half" idx="10"/>
-          </p:nvPr>
-        </p:nvSpPr>
-        <p:spPr/>
-        <p:txBody>
-          <a:bodyPr/>
-          <a:lstStyle/>
-          <a:p>
-            <a:fld id="{A2F0292D-1797-49A5-8D2D-8D50C72EF3CC}" type="datetimeFigureOut">
-              <a:rPr lang="en-US" smtClean="0"/>
-              <a:t>15/09/12</a:t>
-            </a:fld>
-            <a:endParaRPr lang="en-US"/>
-          </a:p>
-        </p:txBody>
-      </p:sp>
-      <p:sp>
-        <p:nvSpPr>
-          <p:cNvPr id="6" name="Footer Placeholder 5"/>
-          <p:cNvSpPr>
-            <a:spLocks noGrp="1"/>
-          </p:cNvSpPr>
-          <p:nvPr>
-            <p:ph type="ftr" sz="quarter" idx="11"/>
-          </p:nvPr>
-        </p:nvSpPr>
-        <p:spPr/>
-        <p:txBody>
-          <a:bodyPr/>
-          <a:lstStyle/>
-          <a:p>
-            <a:endParaRPr lang="en-US"/>
-          </a:p>
-        </p:txBody>
-      </p:sp>
-      <p:sp>
-        <p:nvSpPr>
-          <p:cNvPr id="7" name="Slide Number Placeholder 6"/>
-          <p:cNvSpPr>
-            <a:spLocks noGrp="1"/>
-          </p:cNvSpPr>
-          <p:nvPr>
-            <p:ph type="sldNum" sz="quarter" idx="12"/>
-          </p:nvPr>
-        </p:nvSpPr>
-        <p:spPr/>
-        <p:txBody>
-          <a:bodyPr/>
-          <a:lstStyle/>
-          <a:p>
-            <a:fld id="{D12AA694-00EB-4F4B-AABB-6F50FB178914}" type="slidenum">
-              <a:rPr lang="en-US" smtClean="0"/>
-              <a:t>‹#›</a:t>
-            </a:fld>
-            <a:endParaRPr lang="en-US"/>
-          </a:p>
-        </p:txBody>
-      </p:sp>
-    </p:spTree>
-  </p:cSld>
-  <p:clrMapOvr>
-    <a:masterClrMapping/>
-  </p:clrMapOvr>
-</p:sldLayout>
-</file>
-
-<file path=ppt/slideLayouts/slideLayout11.xml><?xml version="1.0" encoding="utf-8"?>
 <p:sldLayout xmlns:a="http://schemas.openxmlformats.org/drawingml/2006/main" xmlns:r="http://schemas.openxmlformats.org/officeDocument/2006/relationships" xmlns:p="http://schemas.openxmlformats.org/presentationml/2006/main" type="vertTx" preserve="1">
   <p:cSld name="Title and Vertical Text">
     <p:spTree>
@@ -749,7 +398,7 @@
               <a:rPr lang="en-AU" smtClean="0"/>
               <a:t>Click to edit Master title style</a:t>
             </a:r>
-            <a:endParaRPr/>
+            <a:endParaRPr lang="en-US" dirty="0"/>
           </a:p>
         </p:txBody>
       </p:sp>
@@ -766,46 +415,42 @@
         <p:spPr/>
         <p:txBody>
           <a:bodyPr vert="eaVert"/>
-          <a:lstStyle>
-            <a:lvl5pPr>
-              <a:defRPr/>
-            </a:lvl5pPr>
-          </a:lstStyle>
+          <a:lstStyle/>
           <a:p>
             <a:pPr lvl="0"/>
             <a:r>
-              <a:rPr lang="en-AU" dirty="0" smtClean="0"/>
+              <a:rPr lang="en-AU" smtClean="0"/>
               <a:t>Click to edit Master text styles</a:t>
             </a:r>
           </a:p>
           <a:p>
             <a:pPr lvl="1"/>
             <a:r>
-              <a:rPr lang="en-AU" dirty="0" smtClean="0"/>
+              <a:rPr lang="en-AU" smtClean="0"/>
               <a:t>Second level</a:t>
             </a:r>
           </a:p>
           <a:p>
             <a:pPr lvl="2"/>
             <a:r>
-              <a:rPr lang="en-AU" dirty="0" smtClean="0"/>
+              <a:rPr lang="en-AU" smtClean="0"/>
               <a:t>Third level</a:t>
             </a:r>
           </a:p>
           <a:p>
             <a:pPr lvl="3"/>
             <a:r>
-              <a:rPr lang="en-AU" dirty="0" smtClean="0"/>
+              <a:rPr lang="en-AU" smtClean="0"/>
               <a:t>Fourth level</a:t>
             </a:r>
           </a:p>
           <a:p>
             <a:pPr lvl="4"/>
             <a:r>
-              <a:rPr lang="en-AU" dirty="0" smtClean="0"/>
+              <a:rPr lang="en-AU" smtClean="0"/>
               <a:t>Fifth level</a:t>
             </a:r>
-            <a:endParaRPr dirty="0"/>
+            <a:endParaRPr lang="en-US"/>
           </a:p>
         </p:txBody>
       </p:sp>
@@ -882,7 +527,7 @@
 </p:sldLayout>
 </file>
 
-<file path=ppt/slideLayouts/slideLayout12.xml><?xml version="1.0" encoding="utf-8"?>
+<file path=ppt/slideLayouts/slideLayout11.xml><?xml version="1.0" encoding="utf-8"?>
 <p:sldLayout xmlns:a="http://schemas.openxmlformats.org/drawingml/2006/main" xmlns:r="http://schemas.openxmlformats.org/officeDocument/2006/relationships" xmlns:p="http://schemas.openxmlformats.org/presentationml/2006/main" type="vertTitleAndTx" preserve="1">
   <p:cSld name="Vertical Title and Text">
     <p:spTree>
@@ -911,19 +556,19 @@
         </p:nvSpPr>
         <p:spPr>
           <a:xfrm>
-            <a:off x="7019365" y="416859"/>
-            <a:ext cx="1940859" cy="5607424"/>
+            <a:off x="6629400" y="274638"/>
+            <a:ext cx="2057400" cy="5851525"/>
           </a:xfrm>
         </p:spPr>
         <p:txBody>
-          <a:bodyPr vert="eaVert" anchor="ctr" anchorCtr="0"/>
+          <a:bodyPr vert="eaVert"/>
           <a:lstStyle/>
           <a:p>
             <a:r>
               <a:rPr lang="en-AU" smtClean="0"/>
               <a:t>Click to edit Master title style</a:t>
             </a:r>
-            <a:endParaRPr/>
+            <a:endParaRPr lang="en-US" dirty="0"/>
           </a:p>
         </p:txBody>
       </p:sp>
@@ -939,52 +584,48 @@
         </p:nvSpPr>
         <p:spPr>
           <a:xfrm>
-            <a:off x="820737" y="414015"/>
-            <a:ext cx="6144839" cy="5610268"/>
+            <a:off x="457200" y="274638"/>
+            <a:ext cx="6019800" cy="5851525"/>
           </a:xfrm>
         </p:spPr>
         <p:txBody>
           <a:bodyPr vert="eaVert"/>
-          <a:lstStyle>
-            <a:lvl5pPr>
-              <a:defRPr/>
-            </a:lvl5pPr>
-          </a:lstStyle>
+          <a:lstStyle/>
           <a:p>
             <a:pPr lvl="0"/>
             <a:r>
-              <a:rPr lang="en-AU" dirty="0" smtClean="0"/>
+              <a:rPr lang="en-AU" smtClean="0"/>
               <a:t>Click to edit Master text styles</a:t>
             </a:r>
           </a:p>
           <a:p>
             <a:pPr lvl="1"/>
             <a:r>
-              <a:rPr lang="en-AU" dirty="0" smtClean="0"/>
+              <a:rPr lang="en-AU" smtClean="0"/>
               <a:t>Second level</a:t>
             </a:r>
           </a:p>
           <a:p>
             <a:pPr lvl="2"/>
             <a:r>
-              <a:rPr lang="en-AU" dirty="0" smtClean="0"/>
+              <a:rPr lang="en-AU" smtClean="0"/>
               <a:t>Third level</a:t>
             </a:r>
           </a:p>
           <a:p>
             <a:pPr lvl="3"/>
             <a:r>
-              <a:rPr lang="en-AU" dirty="0" smtClean="0"/>
+              <a:rPr lang="en-AU" smtClean="0"/>
               <a:t>Fourth level</a:t>
             </a:r>
           </a:p>
           <a:p>
             <a:pPr lvl="4"/>
             <a:r>
-              <a:rPr lang="en-AU" dirty="0" smtClean="0"/>
+              <a:rPr lang="en-AU" smtClean="0"/>
               <a:t>Fifth level</a:t>
             </a:r>
-            <a:endParaRPr dirty="0"/>
+            <a:endParaRPr lang="en-US"/>
           </a:p>
         </p:txBody>
       </p:sp>
@@ -1097,7 +738,7 @@
               <a:rPr lang="en-AU" smtClean="0"/>
               <a:t>Click to edit Master title style</a:t>
             </a:r>
-            <a:endParaRPr/>
+            <a:endParaRPr lang="en-US" dirty="0"/>
           </a:p>
         </p:txBody>
       </p:sp>
@@ -1118,42 +759,56 @@
             <a:lvl5pPr>
               <a:defRPr/>
             </a:lvl5pPr>
+            <a:lvl6pPr>
+              <a:defRPr/>
+            </a:lvl6pPr>
+            <a:lvl7pPr>
+              <a:defRPr/>
+            </a:lvl7pPr>
+            <a:lvl8pPr>
+              <a:defRPr/>
+            </a:lvl8pPr>
+            <a:lvl9pPr>
+              <a:buFont typeface="Arial" pitchFamily="34" charset="0"/>
+              <a:buChar char="•"/>
+              <a:defRPr/>
+            </a:lvl9pPr>
           </a:lstStyle>
           <a:p>
             <a:pPr lvl="0"/>
             <a:r>
-              <a:rPr lang="en-AU" dirty="0" smtClean="0"/>
+              <a:rPr lang="en-AU" smtClean="0"/>
               <a:t>Click to edit Master text styles</a:t>
             </a:r>
           </a:p>
           <a:p>
             <a:pPr lvl="1"/>
             <a:r>
-              <a:rPr lang="en-AU" dirty="0" smtClean="0"/>
+              <a:rPr lang="en-AU" smtClean="0"/>
               <a:t>Second level</a:t>
             </a:r>
           </a:p>
           <a:p>
             <a:pPr lvl="2"/>
             <a:r>
-              <a:rPr lang="en-AU" dirty="0" smtClean="0"/>
+              <a:rPr lang="en-AU" smtClean="0"/>
               <a:t>Third level</a:t>
             </a:r>
           </a:p>
           <a:p>
             <a:pPr lvl="3"/>
             <a:r>
-              <a:rPr lang="en-AU" dirty="0" smtClean="0"/>
+              <a:rPr lang="en-AU" smtClean="0"/>
               <a:t>Fourth level</a:t>
             </a:r>
           </a:p>
           <a:p>
             <a:pPr lvl="4"/>
             <a:r>
-              <a:rPr lang="en-AU" dirty="0" smtClean="0"/>
+              <a:rPr lang="en-AU" smtClean="0"/>
               <a:t>Fifth level</a:t>
             </a:r>
-            <a:endParaRPr dirty="0"/>
+            <a:endParaRPr lang="en-US" dirty="0" smtClean="0"/>
           </a:p>
         </p:txBody>
       </p:sp>
@@ -1259,32 +914,33 @@
         </p:nvSpPr>
         <p:spPr>
           <a:xfrm>
-            <a:off x="820737" y="1219013"/>
-            <a:ext cx="7542213" cy="1958975"/>
+            <a:off x="722313" y="1371600"/>
+            <a:ext cx="7772400" cy="2505075"/>
           </a:xfrm>
         </p:spPr>
         <p:txBody>
-          <a:bodyPr vert="horz" lIns="91440" tIns="45720" rIns="91440" bIns="45720" rtlCol="0" anchor="b" anchorCtr="0">
-            <a:noAutofit/>
-          </a:bodyPr>
+          <a:bodyPr anchor="b"/>
           <a:lstStyle>
             <a:lvl1pPr algn="ctr" defTabSz="914400" rtl="0" eaLnBrk="1" latinLnBrk="0" hangingPunct="1">
+              <a:lnSpc>
+                <a:spcPct val="100000"/>
+              </a:lnSpc>
               <a:spcBef>
                 <a:spcPct val="0"/>
               </a:spcBef>
               <a:buNone/>
-              <a:defRPr sz="5200" b="1" kern="1200">
+              <a:defRPr lang="en-US" sz="4800" kern="1200" dirty="0" smtClean="0">
                 <a:solidFill>
-                  <a:schemeClr val="tx1"/>
+                  <a:schemeClr val="tx2"/>
                 </a:solidFill>
                 <a:effectLst>
-                  <a:outerShdw blurRad="101600" dist="63500" dir="2700000" algn="tl" rotWithShape="0">
+                  <a:outerShdw blurRad="63500" dist="38100" dir="5400000" algn="t" rotWithShape="0">
                     <a:prstClr val="black">
-                      <a:alpha val="75000"/>
+                      <a:alpha val="25000"/>
                     </a:prstClr>
                   </a:outerShdw>
                 </a:effectLst>
-                <a:latin typeface="+mj-lt"/>
+                <a:latin typeface="+mn-lt"/>
                 <a:ea typeface="+mj-ea"/>
                 <a:cs typeface="+mj-cs"/>
               </a:defRPr>
@@ -1295,7 +951,7 @@
               <a:rPr lang="en-AU" smtClean="0"/>
               <a:t>Click to edit Master title style</a:t>
             </a:r>
-            <a:endParaRPr/>
+            <a:endParaRPr lang="en-US" dirty="0"/>
           </a:p>
         </p:txBody>
       </p:sp>
@@ -1311,37 +967,21 @@
         </p:nvSpPr>
         <p:spPr>
           <a:xfrm>
-            <a:off x="820737" y="3224213"/>
-            <a:ext cx="7542213" cy="1500187"/>
+            <a:off x="722313" y="4068763"/>
+            <a:ext cx="7772400" cy="1131887"/>
           </a:xfrm>
         </p:spPr>
         <p:txBody>
-          <a:bodyPr vert="horz" lIns="91440" tIns="45720" rIns="91440" bIns="45720" rtlCol="0">
-            <a:normAutofit/>
-          </a:bodyPr>
+          <a:bodyPr anchor="t"/>
           <a:lstStyle>
-            <a:lvl1pPr marL="0" indent="0" algn="ctr" defTabSz="914400" rtl="0" eaLnBrk="1" latinLnBrk="0" hangingPunct="1">
-              <a:spcBef>
-                <a:spcPts val="300"/>
-              </a:spcBef>
-              <a:buFontTx/>
-              <a:buNone/>
-              <a:defRPr sz="2400" b="1" kern="1200">
+            <a:lvl1pPr marL="0" indent="0" algn="ctr">
+              <a:buNone/>
+              <a:defRPr sz="2000">
                 <a:solidFill>
                   <a:schemeClr val="tx1">
                     <a:tint val="75000"/>
                   </a:schemeClr>
                 </a:solidFill>
-                <a:effectLst>
-                  <a:outerShdw blurRad="101600" dist="63500" dir="2700000" algn="tl" rotWithShape="0">
-                    <a:prstClr val="black">
-                      <a:alpha val="75000"/>
-                    </a:prstClr>
-                  </a:outerShdw>
-                </a:effectLst>
-                <a:latin typeface="+mn-lt"/>
-                <a:ea typeface="+mn-ea"/>
-                <a:cs typeface="+mn-cs"/>
               </a:defRPr>
             </a:lvl1pPr>
             <a:lvl2pPr marL="457200" indent="0">
@@ -1428,7 +1068,7 @@
           <a:p>
             <a:pPr lvl="0"/>
             <a:r>
-              <a:rPr lang="en-AU" dirty="0" smtClean="0"/>
+              <a:rPr lang="en-AU" smtClean="0"/>
               <a:t>Click to edit Master text styles</a:t>
             </a:r>
           </a:p>
@@ -1495,6 +1135,156 @@
               <a:rPr lang="en-US" smtClean="0"/>
               <a:t>‹#›</a:t>
             </a:fld>
+            <a:endParaRPr lang="en-US"/>
+          </a:p>
+        </p:txBody>
+      </p:sp>
+      <p:sp>
+        <p:nvSpPr>
+          <p:cNvPr id="7" name="Oval 6"/>
+          <p:cNvSpPr/>
+          <p:nvPr/>
+        </p:nvSpPr>
+        <p:spPr>
+          <a:xfrm>
+            <a:off x="4495800" y="3924300"/>
+            <a:ext cx="84772" cy="84772"/>
+          </a:xfrm>
+          <a:prstGeom prst="ellipse">
+            <a:avLst/>
+          </a:prstGeom>
+          <a:solidFill>
+            <a:schemeClr val="tx1">
+              <a:lumMod val="50000"/>
+              <a:lumOff val="50000"/>
+            </a:schemeClr>
+          </a:solidFill>
+          <a:ln w="12700">
+            <a:noFill/>
+          </a:ln>
+          <a:effectLst/>
+        </p:spPr>
+        <p:style>
+          <a:lnRef idx="2">
+            <a:schemeClr val="accent1">
+              <a:shade val="50000"/>
+            </a:schemeClr>
+          </a:lnRef>
+          <a:fillRef idx="1">
+            <a:schemeClr val="accent1"/>
+          </a:fillRef>
+          <a:effectRef idx="0">
+            <a:schemeClr val="accent1"/>
+          </a:effectRef>
+          <a:fontRef idx="minor">
+            <a:schemeClr val="lt1"/>
+          </a:fontRef>
+        </p:style>
+        <p:txBody>
+          <a:bodyPr rtlCol="0" anchor="ctr"/>
+          <a:lstStyle/>
+          <a:p>
+            <a:pPr algn="ctr"/>
+            <a:endParaRPr lang="en-US"/>
+          </a:p>
+        </p:txBody>
+      </p:sp>
+      <p:sp>
+        <p:nvSpPr>
+          <p:cNvPr id="8" name="Oval 7"/>
+          <p:cNvSpPr/>
+          <p:nvPr/>
+        </p:nvSpPr>
+        <p:spPr>
+          <a:xfrm>
+            <a:off x="4695825" y="3924300"/>
+            <a:ext cx="84772" cy="84772"/>
+          </a:xfrm>
+          <a:prstGeom prst="ellipse">
+            <a:avLst/>
+          </a:prstGeom>
+          <a:solidFill>
+            <a:schemeClr val="tx1">
+              <a:lumMod val="50000"/>
+              <a:lumOff val="50000"/>
+            </a:schemeClr>
+          </a:solidFill>
+          <a:ln w="12700">
+            <a:noFill/>
+          </a:ln>
+          <a:effectLst/>
+        </p:spPr>
+        <p:style>
+          <a:lnRef idx="2">
+            <a:schemeClr val="accent1">
+              <a:shade val="50000"/>
+            </a:schemeClr>
+          </a:lnRef>
+          <a:fillRef idx="1">
+            <a:schemeClr val="accent1"/>
+          </a:fillRef>
+          <a:effectRef idx="0">
+            <a:schemeClr val="accent1"/>
+          </a:effectRef>
+          <a:fontRef idx="minor">
+            <a:schemeClr val="lt1"/>
+          </a:fontRef>
+        </p:style>
+        <p:txBody>
+          <a:bodyPr rtlCol="0" anchor="ctr"/>
+          <a:lstStyle/>
+          <a:p>
+            <a:pPr algn="ctr"/>
+            <a:endParaRPr lang="en-US"/>
+          </a:p>
+        </p:txBody>
+      </p:sp>
+      <p:sp>
+        <p:nvSpPr>
+          <p:cNvPr id="9" name="Oval 8"/>
+          <p:cNvSpPr/>
+          <p:nvPr/>
+        </p:nvSpPr>
+        <p:spPr>
+          <a:xfrm>
+            <a:off x="4296728" y="3924300"/>
+            <a:ext cx="84772" cy="84772"/>
+          </a:xfrm>
+          <a:prstGeom prst="ellipse">
+            <a:avLst/>
+          </a:prstGeom>
+          <a:solidFill>
+            <a:schemeClr val="tx1">
+              <a:lumMod val="50000"/>
+              <a:lumOff val="50000"/>
+            </a:schemeClr>
+          </a:solidFill>
+          <a:ln w="12700">
+            <a:noFill/>
+          </a:ln>
+          <a:effectLst/>
+        </p:spPr>
+        <p:style>
+          <a:lnRef idx="2">
+            <a:schemeClr val="accent1">
+              <a:shade val="50000"/>
+            </a:schemeClr>
+          </a:lnRef>
+          <a:fillRef idx="1">
+            <a:schemeClr val="accent1"/>
+          </a:fillRef>
+          <a:effectRef idx="0">
+            <a:schemeClr val="accent1"/>
+          </a:effectRef>
+          <a:fontRef idx="minor">
+            <a:schemeClr val="lt1"/>
+          </a:fontRef>
+        </p:style>
+        <p:txBody>
+          <a:bodyPr rtlCol="0" anchor="ctr"/>
+          <a:lstStyle/>
+          <a:p>
+            <a:pPr algn="ctr"/>
             <a:endParaRPr lang="en-US"/>
           </a:p>
         </p:txBody>
@@ -1534,195 +1324,101 @@
             <p:ph type="title"/>
           </p:nvPr>
         </p:nvSpPr>
+        <p:spPr/>
+        <p:txBody>
+          <a:bodyPr/>
+          <a:lstStyle/>
+          <a:p>
+            <a:r>
+              <a:rPr lang="en-AU" smtClean="0"/>
+              <a:t>Click to edit Master title style</a:t>
+            </a:r>
+            <a:endParaRPr lang="en-US"/>
+          </a:p>
+        </p:txBody>
+      </p:sp>
+      <p:sp>
+        <p:nvSpPr>
+          <p:cNvPr id="4" name="Content Placeholder 3"/>
+          <p:cNvSpPr>
+            <a:spLocks noGrp="1"/>
+          </p:cNvSpPr>
+          <p:nvPr>
+            <p:ph sz="half" idx="2"/>
+          </p:nvPr>
+        </p:nvSpPr>
         <p:spPr>
           <a:xfrm>
-            <a:off x="779462" y="107577"/>
-            <a:ext cx="7581901" cy="1653988"/>
+            <a:off x="4648200" y="1600200"/>
+            <a:ext cx="4038600" cy="4525963"/>
           </a:xfrm>
         </p:spPr>
         <p:txBody>
           <a:bodyPr/>
-          <a:lstStyle/>
-          <a:p>
-            <a:r>
-              <a:rPr lang="en-AU" smtClean="0"/>
-              <a:t>Click to edit Master title style</a:t>
-            </a:r>
-            <a:endParaRPr/>
-          </a:p>
-        </p:txBody>
-      </p:sp>
-      <p:sp>
-        <p:nvSpPr>
-          <p:cNvPr id="3" name="Content Placeholder 2"/>
-          <p:cNvSpPr>
-            <a:spLocks noGrp="1"/>
-          </p:cNvSpPr>
-          <p:nvPr>
-            <p:ph sz="half" idx="1"/>
-          </p:nvPr>
-        </p:nvSpPr>
-        <p:spPr>
-          <a:xfrm>
-            <a:off x="779462" y="1892301"/>
-            <a:ext cx="3657600" cy="3975100"/>
-          </a:xfrm>
-        </p:spPr>
-        <p:txBody>
-          <a:bodyPr>
-            <a:normAutofit/>
-          </a:bodyPr>
           <a:lstStyle>
             <a:lvl1pPr>
-              <a:defRPr sz="2000"/>
+              <a:defRPr sz="2400"/>
             </a:lvl1pPr>
             <a:lvl2pPr>
-              <a:defRPr sz="1800"/>
+              <a:defRPr sz="1600"/>
             </a:lvl2pPr>
             <a:lvl3pPr>
-              <a:defRPr sz="1800"/>
+              <a:defRPr sz="1600"/>
             </a:lvl3pPr>
             <a:lvl4pPr>
-              <a:defRPr sz="1800"/>
+              <a:defRPr sz="1600"/>
             </a:lvl4pPr>
             <a:lvl5pPr>
-              <a:defRPr sz="1800"/>
+              <a:defRPr sz="1600"/>
             </a:lvl5pPr>
-            <a:lvl6pPr marL="2173288" indent="-344488">
-              <a:defRPr sz="1800"/>
+            <a:lvl6pPr>
+              <a:defRPr sz="1600"/>
             </a:lvl6pPr>
-            <a:lvl7pPr marL="2173288" indent="-344488">
-              <a:defRPr sz="1800"/>
+            <a:lvl7pPr>
+              <a:defRPr sz="1600"/>
             </a:lvl7pPr>
-            <a:lvl8pPr marL="2173288" indent="-344488">
-              <a:defRPr sz="1800"/>
+            <a:lvl8pPr>
+              <a:defRPr sz="1600"/>
             </a:lvl8pPr>
-            <a:lvl9pPr marL="2173288" indent="-344488">
-              <a:defRPr sz="1800"/>
+            <a:lvl9pPr>
+              <a:defRPr sz="1600"/>
             </a:lvl9pPr>
           </a:lstStyle>
           <a:p>
             <a:pPr lvl="0"/>
             <a:r>
-              <a:rPr lang="en-AU" dirty="0" smtClean="0"/>
+              <a:rPr lang="en-AU" smtClean="0"/>
               <a:t>Click to edit Master text styles</a:t>
             </a:r>
           </a:p>
           <a:p>
             <a:pPr lvl="1"/>
             <a:r>
-              <a:rPr lang="en-AU" dirty="0" smtClean="0"/>
+              <a:rPr lang="en-AU" smtClean="0"/>
               <a:t>Second level</a:t>
             </a:r>
           </a:p>
           <a:p>
             <a:pPr lvl="2"/>
             <a:r>
-              <a:rPr lang="en-AU" dirty="0" smtClean="0"/>
+              <a:rPr lang="en-AU" smtClean="0"/>
               <a:t>Third level</a:t>
             </a:r>
           </a:p>
           <a:p>
             <a:pPr lvl="3"/>
             <a:r>
-              <a:rPr lang="en-AU" dirty="0" smtClean="0"/>
+              <a:rPr lang="en-AU" smtClean="0"/>
               <a:t>Fourth level</a:t>
             </a:r>
           </a:p>
           <a:p>
             <a:pPr lvl="4"/>
             <a:r>
-              <a:rPr lang="en-AU" dirty="0" smtClean="0"/>
+              <a:rPr lang="en-AU" smtClean="0"/>
               <a:t>Fifth level</a:t>
             </a:r>
-            <a:endParaRPr dirty="0"/>
-          </a:p>
-        </p:txBody>
-      </p:sp>
-      <p:sp>
-        <p:nvSpPr>
-          <p:cNvPr id="4" name="Content Placeholder 3"/>
-          <p:cNvSpPr>
-            <a:spLocks noGrp="1"/>
-          </p:cNvSpPr>
-          <p:nvPr>
-            <p:ph sz="half" idx="2"/>
-          </p:nvPr>
-        </p:nvSpPr>
-        <p:spPr>
-          <a:xfrm>
-            <a:off x="4703763" y="1892301"/>
-            <a:ext cx="3657600" cy="3975100"/>
-          </a:xfrm>
-        </p:spPr>
-        <p:txBody>
-          <a:bodyPr>
-            <a:normAutofit/>
-          </a:bodyPr>
-          <a:lstStyle>
-            <a:lvl1pPr>
-              <a:defRPr sz="2000"/>
-            </a:lvl1pPr>
-            <a:lvl2pPr>
-              <a:defRPr sz="1800"/>
-            </a:lvl2pPr>
-            <a:lvl3pPr>
-              <a:defRPr sz="1800"/>
-            </a:lvl3pPr>
-            <a:lvl4pPr>
-              <a:defRPr sz="1800"/>
-            </a:lvl4pPr>
-            <a:lvl5pPr>
-              <a:defRPr sz="1800"/>
-            </a:lvl5pPr>
-            <a:lvl6pPr marL="2173288" indent="-344488">
-              <a:defRPr sz="1800"/>
-            </a:lvl6pPr>
-            <a:lvl7pPr marL="2173288" indent="-344488">
-              <a:defRPr sz="1800"/>
-            </a:lvl7pPr>
-            <a:lvl8pPr marL="2173288" indent="-344488">
-              <a:defRPr sz="1800"/>
-            </a:lvl8pPr>
-            <a:lvl9pPr marL="2173288" indent="-344488">
-              <a:defRPr sz="1800"/>
-            </a:lvl9pPr>
-          </a:lstStyle>
-          <a:p>
-            <a:pPr lvl="0"/>
-            <a:r>
-              <a:rPr lang="en-AU" dirty="0" smtClean="0"/>
-              <a:t>Click to edit Master text styles</a:t>
-            </a:r>
-          </a:p>
-          <a:p>
-            <a:pPr lvl="1"/>
-            <a:r>
-              <a:rPr lang="en-AU" dirty="0" smtClean="0"/>
-              <a:t>Second level</a:t>
-            </a:r>
-          </a:p>
-          <a:p>
-            <a:pPr lvl="2"/>
-            <a:r>
-              <a:rPr lang="en-AU" dirty="0" smtClean="0"/>
-              <a:t>Third level</a:t>
-            </a:r>
-          </a:p>
-          <a:p>
-            <a:pPr lvl="3"/>
-            <a:r>
-              <a:rPr lang="en-AU" dirty="0" smtClean="0"/>
-              <a:t>Fourth level</a:t>
-            </a:r>
-          </a:p>
-          <a:p>
-            <a:pPr lvl="4"/>
-            <a:r>
-              <a:rPr lang="en-AU" dirty="0" smtClean="0"/>
-              <a:t>Fifth level</a:t>
-            </a:r>
-            <a:endParaRPr dirty="0"/>
+            <a:endParaRPr lang="en-US" dirty="0" smtClean="0"/>
           </a:p>
         </p:txBody>
       </p:sp>
@@ -1787,6 +1483,63 @@
               <a:rPr lang="en-US" smtClean="0"/>
               <a:t>‹#›</a:t>
             </a:fld>
+            <a:endParaRPr lang="en-US"/>
+          </a:p>
+        </p:txBody>
+      </p:sp>
+      <p:sp>
+        <p:nvSpPr>
+          <p:cNvPr id="9" name="Content Placeholder 8"/>
+          <p:cNvSpPr>
+            <a:spLocks noGrp="1"/>
+          </p:cNvSpPr>
+          <p:nvPr>
+            <p:ph sz="quarter" idx="13"/>
+          </p:nvPr>
+        </p:nvSpPr>
+        <p:spPr>
+          <a:xfrm>
+            <a:off x="365760" y="1600200"/>
+            <a:ext cx="4041648" cy="4526280"/>
+          </a:xfrm>
+        </p:spPr>
+        <p:txBody>
+          <a:bodyPr/>
+          <a:lstStyle/>
+          <a:p>
+            <a:pPr lvl="0"/>
+            <a:r>
+              <a:rPr lang="en-AU" smtClean="0"/>
+              <a:t>Click to edit Master text styles</a:t>
+            </a:r>
+          </a:p>
+          <a:p>
+            <a:pPr lvl="1"/>
+            <a:r>
+              <a:rPr lang="en-AU" smtClean="0"/>
+              <a:t>Second level</a:t>
+            </a:r>
+          </a:p>
+          <a:p>
+            <a:pPr lvl="2"/>
+            <a:r>
+              <a:rPr lang="en-AU" smtClean="0"/>
+              <a:t>Third level</a:t>
+            </a:r>
+          </a:p>
+          <a:p>
+            <a:pPr lvl="3"/>
+            <a:r>
+              <a:rPr lang="en-AU" smtClean="0"/>
+              <a:t>Fourth level</a:t>
+            </a:r>
+          </a:p>
+          <a:p>
+            <a:pPr lvl="4"/>
+            <a:r>
+              <a:rPr lang="en-AU" smtClean="0"/>
+              <a:t>Fifth level</a:t>
+            </a:r>
             <a:endParaRPr lang="en-US"/>
           </a:p>
         </p:txBody>
@@ -1826,12 +1579,7 @@
             <p:ph type="title"/>
           </p:nvPr>
         </p:nvSpPr>
-        <p:spPr>
-          <a:xfrm>
-            <a:off x="779462" y="107577"/>
-            <a:ext cx="7581901" cy="1653988"/>
-          </a:xfrm>
-        </p:spPr>
+        <p:spPr/>
         <p:txBody>
           <a:bodyPr/>
           <a:lstStyle>
@@ -1844,7 +1592,7 @@
               <a:rPr lang="en-AU" smtClean="0"/>
               <a:t>Click to edit Master title style</a:t>
             </a:r>
-            <a:endParaRPr/>
+            <a:endParaRPr lang="en-US"/>
           </a:p>
         </p:txBody>
       </p:sp>
@@ -1860,21 +1608,18 @@
         </p:nvSpPr>
         <p:spPr>
           <a:xfrm>
-            <a:off x="779462" y="1761565"/>
-            <a:ext cx="3657600" cy="515469"/>
+            <a:off x="457200" y="1600200"/>
+            <a:ext cx="4040188" cy="609600"/>
           </a:xfrm>
         </p:spPr>
         <p:txBody>
           <a:bodyPr anchor="b">
-            <a:normAutofit/>
+            <a:noAutofit/>
           </a:bodyPr>
           <a:lstStyle>
             <a:lvl1pPr marL="0" indent="0" algn="ctr">
-              <a:spcBef>
-                <a:spcPct val="0"/>
-              </a:spcBef>
-              <a:buNone/>
-              <a:defRPr sz="2400" b="1"/>
+              <a:buNone/>
+              <a:defRPr sz="2400" b="0"/>
             </a:lvl1pPr>
             <a:lvl2pPr marL="457200" indent="0">
               <a:buNone/>
@@ -1920,118 +1665,28 @@
       </p:sp>
       <p:sp>
         <p:nvSpPr>
-          <p:cNvPr id="4" name="Content Placeholder 3"/>
-          <p:cNvSpPr>
-            <a:spLocks noGrp="1"/>
-          </p:cNvSpPr>
-          <p:nvPr>
-            <p:ph sz="half" idx="2"/>
+          <p:cNvPr id="5" name="Text Placeholder 4"/>
+          <p:cNvSpPr>
+            <a:spLocks noGrp="1"/>
+          </p:cNvSpPr>
+          <p:nvPr>
+            <p:ph type="body" sz="quarter" idx="3"/>
           </p:nvPr>
         </p:nvSpPr>
         <p:spPr>
           <a:xfrm>
-            <a:off x="779462" y="2393575"/>
-            <a:ext cx="3657600" cy="3473823"/>
+            <a:off x="4648200" y="1600200"/>
+            <a:ext cx="4041775" cy="609600"/>
           </a:xfrm>
         </p:spPr>
         <p:txBody>
-          <a:bodyPr>
-            <a:normAutofit/>
-          </a:bodyPr>
-          <a:lstStyle>
-            <a:lvl1pPr>
-              <a:defRPr sz="2000"/>
-            </a:lvl1pPr>
-            <a:lvl2pPr>
-              <a:defRPr sz="1800"/>
-            </a:lvl2pPr>
-            <a:lvl3pPr>
-              <a:defRPr sz="1800"/>
-            </a:lvl3pPr>
-            <a:lvl4pPr>
-              <a:defRPr sz="1800"/>
-            </a:lvl4pPr>
-            <a:lvl5pPr>
-              <a:defRPr sz="1800"/>
-            </a:lvl5pPr>
-            <a:lvl6pPr marL="2173288" indent="-344488">
-              <a:defRPr sz="1600"/>
-            </a:lvl6pPr>
-            <a:lvl7pPr marL="2173288" indent="-344488">
-              <a:defRPr sz="1600"/>
-            </a:lvl7pPr>
-            <a:lvl8pPr marL="2173288" indent="-344488">
-              <a:defRPr sz="1600"/>
-            </a:lvl8pPr>
-            <a:lvl9pPr marL="2173288" indent="-344488">
-              <a:defRPr sz="1600"/>
-            </a:lvl9pPr>
-          </a:lstStyle>
-          <a:p>
-            <a:pPr lvl="0"/>
-            <a:r>
-              <a:rPr lang="en-AU" dirty="0" smtClean="0"/>
-              <a:t>Click to edit Master text styles</a:t>
-            </a:r>
-          </a:p>
-          <a:p>
-            <a:pPr lvl="1"/>
-            <a:r>
-              <a:rPr lang="en-AU" dirty="0" smtClean="0"/>
-              <a:t>Second level</a:t>
-            </a:r>
-          </a:p>
-          <a:p>
-            <a:pPr lvl="2"/>
-            <a:r>
-              <a:rPr lang="en-AU" dirty="0" smtClean="0"/>
-              <a:t>Third level</a:t>
-            </a:r>
-          </a:p>
-          <a:p>
-            <a:pPr lvl="3"/>
-            <a:r>
-              <a:rPr lang="en-AU" dirty="0" smtClean="0"/>
-              <a:t>Fourth level</a:t>
-            </a:r>
-          </a:p>
-          <a:p>
-            <a:pPr lvl="4"/>
-            <a:r>
-              <a:rPr lang="en-AU" dirty="0" smtClean="0"/>
-              <a:t>Fifth level</a:t>
-            </a:r>
-            <a:endParaRPr dirty="0"/>
-          </a:p>
-        </p:txBody>
-      </p:sp>
-      <p:sp>
-        <p:nvSpPr>
-          <p:cNvPr id="5" name="Text Placeholder 4"/>
-          <p:cNvSpPr>
-            <a:spLocks noGrp="1"/>
-          </p:cNvSpPr>
-          <p:nvPr>
-            <p:ph type="body" sz="quarter" idx="3"/>
-          </p:nvPr>
-        </p:nvSpPr>
-        <p:spPr>
-          <a:xfrm>
-            <a:off x="4703763" y="1761565"/>
-            <a:ext cx="3657600" cy="515469"/>
-          </a:xfrm>
-        </p:spPr>
-        <p:txBody>
           <a:bodyPr anchor="b">
-            <a:normAutofit/>
+            <a:noAutofit/>
           </a:bodyPr>
           <a:lstStyle>
             <a:lvl1pPr marL="0" indent="0" algn="ctr">
-              <a:spcBef>
-                <a:spcPct val="0"/>
-              </a:spcBef>
-              <a:buNone/>
-              <a:defRPr sz="2400" b="1"/>
+              <a:buNone/>
+              <a:defRPr sz="2400" b="0"/>
             </a:lvl1pPr>
             <a:lvl2pPr marL="457200" indent="0">
               <a:buNone/>
@@ -2072,93 +1727,6 @@
               <a:rPr lang="en-AU" smtClean="0"/>
               <a:t>Click to edit Master text styles</a:t>
             </a:r>
-          </a:p>
-        </p:txBody>
-      </p:sp>
-      <p:sp>
-        <p:nvSpPr>
-          <p:cNvPr id="6" name="Content Placeholder 5"/>
-          <p:cNvSpPr>
-            <a:spLocks noGrp="1"/>
-          </p:cNvSpPr>
-          <p:nvPr>
-            <p:ph sz="quarter" idx="4"/>
-          </p:nvPr>
-        </p:nvSpPr>
-        <p:spPr>
-          <a:xfrm>
-            <a:off x="4703763" y="2393575"/>
-            <a:ext cx="3657600" cy="3473823"/>
-          </a:xfrm>
-        </p:spPr>
-        <p:txBody>
-          <a:bodyPr>
-            <a:normAutofit/>
-          </a:bodyPr>
-          <a:lstStyle>
-            <a:lvl1pPr>
-              <a:defRPr sz="2000"/>
-            </a:lvl1pPr>
-            <a:lvl2pPr>
-              <a:defRPr sz="1800"/>
-            </a:lvl2pPr>
-            <a:lvl3pPr>
-              <a:defRPr sz="1800"/>
-            </a:lvl3pPr>
-            <a:lvl4pPr>
-              <a:defRPr sz="1800"/>
-            </a:lvl4pPr>
-            <a:lvl5pPr>
-              <a:defRPr sz="1800"/>
-            </a:lvl5pPr>
-            <a:lvl6pPr marL="2173288" indent="-344488">
-              <a:defRPr sz="1600"/>
-            </a:lvl6pPr>
-            <a:lvl7pPr marL="2173288" indent="-344488">
-              <a:defRPr sz="1600"/>
-            </a:lvl7pPr>
-            <a:lvl8pPr marL="2173288" indent="-344488">
-              <a:defRPr sz="1600"/>
-            </a:lvl8pPr>
-            <a:lvl9pPr marL="2173288" indent="-344488">
-              <a:defRPr sz="1600"/>
-            </a:lvl9pPr>
-          </a:lstStyle>
-          <a:p>
-            <a:pPr lvl="0"/>
-            <a:r>
-              <a:rPr lang="en-AU" dirty="0" smtClean="0"/>
-              <a:t>Click to edit Master text styles</a:t>
-            </a:r>
-          </a:p>
-          <a:p>
-            <a:pPr lvl="1"/>
-            <a:r>
-              <a:rPr lang="en-AU" dirty="0" smtClean="0"/>
-              <a:t>Second level</a:t>
-            </a:r>
-          </a:p>
-          <a:p>
-            <a:pPr lvl="2"/>
-            <a:r>
-              <a:rPr lang="en-AU" dirty="0" smtClean="0"/>
-              <a:t>Third level</a:t>
-            </a:r>
-          </a:p>
-          <a:p>
-            <a:pPr lvl="3"/>
-            <a:r>
-              <a:rPr lang="en-AU" dirty="0" smtClean="0"/>
-              <a:t>Fourth level</a:t>
-            </a:r>
-          </a:p>
-          <a:p>
-            <a:pPr lvl="4"/>
-            <a:r>
-              <a:rPr lang="en-AU" dirty="0" smtClean="0"/>
-              <a:t>Fifth level</a:t>
-            </a:r>
-            <a:endParaRPr dirty="0"/>
           </a:p>
         </p:txBody>
       </p:sp>
@@ -2224,6 +1792,120 @@
               <a:t>‹#›</a:t>
             </a:fld>
             <a:endParaRPr lang="en-US"/>
+          </a:p>
+        </p:txBody>
+      </p:sp>
+      <p:sp>
+        <p:nvSpPr>
+          <p:cNvPr id="11" name="Content Placeholder 10"/>
+          <p:cNvSpPr>
+            <a:spLocks noGrp="1"/>
+          </p:cNvSpPr>
+          <p:nvPr>
+            <p:ph sz="quarter" idx="13"/>
+          </p:nvPr>
+        </p:nvSpPr>
+        <p:spPr>
+          <a:xfrm>
+            <a:off x="457200" y="2212848"/>
+            <a:ext cx="4041648" cy="3913632"/>
+          </a:xfrm>
+        </p:spPr>
+        <p:txBody>
+          <a:bodyPr/>
+          <a:lstStyle/>
+          <a:p>
+            <a:pPr lvl="0"/>
+            <a:r>
+              <a:rPr lang="en-AU" dirty="0" smtClean="0"/>
+              <a:t>Click to edit Master text styles</a:t>
+            </a:r>
+          </a:p>
+          <a:p>
+            <a:pPr lvl="1"/>
+            <a:r>
+              <a:rPr lang="en-AU" dirty="0" smtClean="0"/>
+              <a:t>Second level</a:t>
+            </a:r>
+          </a:p>
+          <a:p>
+            <a:pPr lvl="2"/>
+            <a:r>
+              <a:rPr lang="en-AU" dirty="0" smtClean="0"/>
+              <a:t>Third level</a:t>
+            </a:r>
+          </a:p>
+          <a:p>
+            <a:pPr lvl="3"/>
+            <a:r>
+              <a:rPr lang="en-AU" dirty="0" smtClean="0"/>
+              <a:t>Fourth level</a:t>
+            </a:r>
+          </a:p>
+          <a:p>
+            <a:pPr lvl="4"/>
+            <a:r>
+              <a:rPr lang="en-AU" dirty="0" smtClean="0"/>
+              <a:t>Fifth level</a:t>
+            </a:r>
+            <a:endParaRPr lang="en-US" dirty="0"/>
+          </a:p>
+        </p:txBody>
+      </p:sp>
+      <p:sp>
+        <p:nvSpPr>
+          <p:cNvPr id="13" name="Content Placeholder 12"/>
+          <p:cNvSpPr>
+            <a:spLocks noGrp="1"/>
+          </p:cNvSpPr>
+          <p:nvPr>
+            <p:ph sz="quarter" idx="14"/>
+          </p:nvPr>
+        </p:nvSpPr>
+        <p:spPr>
+          <a:xfrm>
+            <a:off x="4672584" y="2212848"/>
+            <a:ext cx="4041648" cy="3913187"/>
+          </a:xfrm>
+        </p:spPr>
+        <p:txBody>
+          <a:bodyPr/>
+          <a:lstStyle/>
+          <a:p>
+            <a:pPr lvl="0"/>
+            <a:r>
+              <a:rPr lang="en-AU" dirty="0" smtClean="0"/>
+              <a:t>Click to edit Master text styles</a:t>
+            </a:r>
+          </a:p>
+          <a:p>
+            <a:pPr lvl="1"/>
+            <a:r>
+              <a:rPr lang="en-AU" dirty="0" smtClean="0"/>
+              <a:t>Second level</a:t>
+            </a:r>
+          </a:p>
+          <a:p>
+            <a:pPr lvl="2"/>
+            <a:r>
+              <a:rPr lang="en-AU" dirty="0" smtClean="0"/>
+              <a:t>Third level</a:t>
+            </a:r>
+          </a:p>
+          <a:p>
+            <a:pPr lvl="3"/>
+            <a:r>
+              <a:rPr lang="en-AU" dirty="0" smtClean="0"/>
+              <a:t>Fourth level</a:t>
+            </a:r>
+          </a:p>
+          <a:p>
+            <a:pPr lvl="4"/>
+            <a:r>
+              <a:rPr lang="en-AU" dirty="0" smtClean="0"/>
+              <a:t>Fifth level</a:t>
+            </a:r>
+            <a:endParaRPr lang="en-US" dirty="0"/>
           </a:p>
         </p:txBody>
       </p:sp>
@@ -2271,7 +1953,7 @@
               <a:rPr lang="en-AU" smtClean="0"/>
               <a:t>Click to edit Master title style</a:t>
             </a:r>
-            <a:endParaRPr/>
+            <a:endParaRPr lang="en-US" dirty="0"/>
           </a:p>
         </p:txBody>
       </p:sp>
@@ -2467,168 +2149,119 @@
         </p:nvSpPr>
         <p:spPr>
           <a:xfrm>
-            <a:off x="779929" y="457201"/>
-            <a:ext cx="3566160" cy="1371600"/>
+            <a:off x="5907087" y="266700"/>
+            <a:ext cx="3008313" cy="2095500"/>
           </a:xfrm>
         </p:spPr>
         <p:txBody>
-          <a:bodyPr anchor="b">
-            <a:normAutofit/>
-          </a:bodyPr>
+          <a:bodyPr anchor="b"/>
           <a:lstStyle>
             <a:lvl1pPr algn="ctr">
-              <a:defRPr sz="3600" b="1"/>
-            </a:lvl1pPr>
-          </a:lstStyle>
-          <a:p>
-            <a:r>
-              <a:rPr lang="en-AU" smtClean="0"/>
-              <a:t>Click to edit Master title style</a:t>
-            </a:r>
-            <a:endParaRPr/>
-          </a:p>
-        </p:txBody>
-      </p:sp>
-      <p:sp>
-        <p:nvSpPr>
-          <p:cNvPr id="3" name="Content Placeholder 2"/>
-          <p:cNvSpPr>
-            <a:spLocks noGrp="1"/>
-          </p:cNvSpPr>
-          <p:nvPr>
-            <p:ph idx="1"/>
-          </p:nvPr>
-        </p:nvSpPr>
-        <p:spPr>
-          <a:xfrm>
-            <a:off x="4802393" y="457201"/>
-            <a:ext cx="3566160" cy="5410200"/>
-          </a:xfrm>
-        </p:spPr>
-        <p:txBody>
-          <a:bodyPr>
-            <a:normAutofit/>
-          </a:bodyPr>
-          <a:lstStyle>
-            <a:lvl1pPr>
-              <a:defRPr sz="2400"/>
-            </a:lvl1pPr>
-            <a:lvl2pPr>
-              <a:defRPr sz="2200"/>
-            </a:lvl2pPr>
-            <a:lvl3pPr>
-              <a:defRPr sz="2000"/>
-            </a:lvl3pPr>
-            <a:lvl4pPr>
-              <a:defRPr sz="1800"/>
-            </a:lvl4pPr>
-            <a:lvl5pPr>
-              <a:defRPr sz="1800"/>
-            </a:lvl5pPr>
-            <a:lvl6pPr marL="2173288" indent="-344488">
-              <a:defRPr lang="en-US" sz="1800" b="1" kern="1200" dirty="0" smtClean="0">
-                <a:solidFill>
-                  <a:schemeClr val="tx1"/>
-                </a:solidFill>
+              <a:lnSpc>
+                <a:spcPct val="100000"/>
+              </a:lnSpc>
+              <a:defRPr sz="2800" b="0">
                 <a:effectLst>
-                  <a:outerShdw blurRad="101600" dist="63500" dir="2700000" algn="tl" rotWithShape="0">
+                  <a:outerShdw blurRad="50800" dist="25400" dir="5400000" algn="t" rotWithShape="0">
                     <a:prstClr val="black">
-                      <a:alpha val="75000"/>
+                      <a:alpha val="25000"/>
                     </a:prstClr>
                   </a:outerShdw>
                 </a:effectLst>
-                <a:latin typeface="+mn-lt"/>
-                <a:ea typeface="+mn-ea"/>
-                <a:cs typeface="+mn-cs"/>
               </a:defRPr>
+            </a:lvl1pPr>
+          </a:lstStyle>
+          <a:p>
+            <a:r>
+              <a:rPr lang="en-AU" smtClean="0"/>
+              <a:t>Click to edit Master title style</a:t>
+            </a:r>
+            <a:endParaRPr lang="en-US" dirty="0"/>
+          </a:p>
+        </p:txBody>
+      </p:sp>
+      <p:sp>
+        <p:nvSpPr>
+          <p:cNvPr id="3" name="Content Placeholder 2"/>
+          <p:cNvSpPr>
+            <a:spLocks noGrp="1"/>
+          </p:cNvSpPr>
+          <p:nvPr>
+            <p:ph idx="1"/>
+          </p:nvPr>
+        </p:nvSpPr>
+        <p:spPr>
+          <a:xfrm>
+            <a:off x="719137" y="273050"/>
+            <a:ext cx="4995863" cy="5853113"/>
+          </a:xfrm>
+        </p:spPr>
+        <p:txBody>
+          <a:bodyPr/>
+          <a:lstStyle>
+            <a:lvl1pPr>
+              <a:defRPr sz="3200"/>
+            </a:lvl1pPr>
+            <a:lvl2pPr>
+              <a:defRPr sz="2800"/>
+            </a:lvl2pPr>
+            <a:lvl3pPr>
+              <a:defRPr sz="2400"/>
+            </a:lvl3pPr>
+            <a:lvl4pPr>
+              <a:defRPr sz="2000"/>
+            </a:lvl4pPr>
+            <a:lvl5pPr>
+              <a:defRPr sz="2000"/>
+            </a:lvl5pPr>
+            <a:lvl6pPr>
+              <a:defRPr sz="2000"/>
             </a:lvl6pPr>
-            <a:lvl7pPr marL="2173288" indent="-344488">
-              <a:defRPr lang="en-US" sz="1800" b="1" kern="1200" dirty="0" smtClean="0">
-                <a:solidFill>
-                  <a:schemeClr val="tx1"/>
-                </a:solidFill>
-                <a:effectLst>
-                  <a:outerShdw blurRad="101600" dist="63500" dir="2700000" algn="tl" rotWithShape="0">
-                    <a:prstClr val="black">
-                      <a:alpha val="75000"/>
-                    </a:prstClr>
-                  </a:outerShdw>
-                </a:effectLst>
-                <a:latin typeface="+mn-lt"/>
-                <a:ea typeface="+mn-ea"/>
-                <a:cs typeface="+mn-cs"/>
-              </a:defRPr>
+            <a:lvl7pPr>
+              <a:defRPr sz="2000"/>
             </a:lvl7pPr>
-            <a:lvl8pPr marL="2173288" indent="-344488">
-              <a:defRPr lang="en-US" sz="1800" b="1" kern="1200" dirty="0" smtClean="0">
-                <a:solidFill>
-                  <a:schemeClr val="tx1"/>
-                </a:solidFill>
-                <a:effectLst>
-                  <a:outerShdw blurRad="101600" dist="63500" dir="2700000" algn="tl" rotWithShape="0">
-                    <a:prstClr val="black">
-                      <a:alpha val="75000"/>
-                    </a:prstClr>
-                  </a:outerShdw>
-                </a:effectLst>
-                <a:latin typeface="+mn-lt"/>
-                <a:ea typeface="+mn-ea"/>
-                <a:cs typeface="+mn-cs"/>
-              </a:defRPr>
+            <a:lvl8pPr>
+              <a:defRPr sz="2000"/>
             </a:lvl8pPr>
-            <a:lvl9pPr marL="2173288" indent="-344488">
-              <a:defRPr sz="1800" b="1" kern="1200" dirty="0">
-                <a:solidFill>
-                  <a:schemeClr val="tx1"/>
-                </a:solidFill>
-                <a:effectLst>
-                  <a:outerShdw blurRad="101600" dist="63500" dir="2700000" algn="tl" rotWithShape="0">
-                    <a:prstClr val="black">
-                      <a:alpha val="75000"/>
-                    </a:prstClr>
-                  </a:outerShdw>
-                </a:effectLst>
-                <a:latin typeface="+mn-lt"/>
-                <a:ea typeface="+mn-ea"/>
-                <a:cs typeface="+mn-cs"/>
-              </a:defRPr>
+            <a:lvl9pPr>
+              <a:defRPr sz="2000"/>
             </a:lvl9pPr>
           </a:lstStyle>
           <a:p>
             <a:pPr lvl="0"/>
             <a:r>
-              <a:rPr lang="en-AU" dirty="0" smtClean="0"/>
+              <a:rPr lang="en-AU" smtClean="0"/>
               <a:t>Click to edit Master text styles</a:t>
             </a:r>
           </a:p>
           <a:p>
             <a:pPr lvl="1"/>
             <a:r>
-              <a:rPr lang="en-AU" dirty="0" smtClean="0"/>
+              <a:rPr lang="en-AU" smtClean="0"/>
               <a:t>Second level</a:t>
             </a:r>
           </a:p>
           <a:p>
             <a:pPr lvl="2"/>
             <a:r>
-              <a:rPr lang="en-AU" dirty="0" smtClean="0"/>
+              <a:rPr lang="en-AU" smtClean="0"/>
               <a:t>Third level</a:t>
             </a:r>
           </a:p>
           <a:p>
             <a:pPr lvl="3"/>
             <a:r>
-              <a:rPr lang="en-AU" dirty="0" smtClean="0"/>
+              <a:rPr lang="en-AU" smtClean="0"/>
               <a:t>Fourth level</a:t>
             </a:r>
           </a:p>
           <a:p>
             <a:pPr lvl="4"/>
             <a:r>
-              <a:rPr lang="en-AU" dirty="0" smtClean="0"/>
+              <a:rPr lang="en-AU" smtClean="0"/>
               <a:t>Fifth level</a:t>
             </a:r>
-            <a:endParaRPr dirty="0"/>
+            <a:endParaRPr lang="en-US" dirty="0"/>
           </a:p>
         </p:txBody>
       </p:sp>
@@ -2644,8 +2277,8 @@
         </p:nvSpPr>
         <p:spPr>
           <a:xfrm>
-            <a:off x="779929" y="1828801"/>
-            <a:ext cx="3566160" cy="3657600"/>
+            <a:off x="5907087" y="2438400"/>
+            <a:ext cx="3008313" cy="3687763"/>
           </a:xfrm>
         </p:spPr>
         <p:txBody>
@@ -2654,11 +2287,11 @@
           </a:bodyPr>
           <a:lstStyle>
             <a:lvl1pPr marL="0" indent="0" algn="ctr">
-              <a:spcBef>
-                <a:spcPts val="600"/>
-              </a:spcBef>
-              <a:buNone/>
-              <a:defRPr sz="2000"/>
+              <a:lnSpc>
+                <a:spcPct val="125000"/>
+              </a:lnSpc>
+              <a:buNone/>
+              <a:defRPr sz="1600"/>
             </a:lvl1pPr>
             <a:lvl2pPr marL="457200" indent="0">
               <a:buNone/>
@@ -2696,7 +2329,7 @@
           <a:p>
             <a:pPr lvl="0"/>
             <a:r>
-              <a:rPr lang="en-AU" dirty="0" smtClean="0"/>
+              <a:rPr lang="en-AU" smtClean="0"/>
               <a:t>Click to edit Master text styles</a:t>
             </a:r>
           </a:p>
@@ -2804,31 +2437,18 @@
         </p:nvSpPr>
         <p:spPr>
           <a:xfrm>
-            <a:off x="777240" y="457200"/>
-            <a:ext cx="3566160" cy="1371600"/>
+            <a:off x="1679576" y="228600"/>
+            <a:ext cx="5711824" cy="895350"/>
           </a:xfrm>
         </p:spPr>
         <p:txBody>
-          <a:bodyPr anchor="b">
-            <a:normAutofit/>
-          </a:bodyPr>
+          <a:bodyPr anchor="b"/>
           <a:lstStyle>
             <a:lvl1pPr algn="ctr">
-              <a:defRPr sz="3600" b="1" kern="1200">
-                <a:solidFill>
-                  <a:schemeClr val="tx1"/>
-                </a:solidFill>
-                <a:effectLst>
-                  <a:outerShdw blurRad="101600" dist="63500" dir="2700000" algn="tl" rotWithShape="0">
-                    <a:prstClr val="black">
-                      <a:alpha val="75000"/>
-                    </a:prstClr>
-                  </a:outerShdw>
-                </a:effectLst>
-                <a:latin typeface="+mj-lt"/>
-                <a:ea typeface="+mj-ea"/>
-                <a:cs typeface="+mj-cs"/>
-              </a:defRPr>
+              <a:lnSpc>
+                <a:spcPct val="100000"/>
+              </a:lnSpc>
+              <a:defRPr sz="2800" b="0"/>
             </a:lvl1pPr>
           </a:lstStyle>
           <a:p>
@@ -2836,7 +2456,7 @@
               <a:rPr lang="en-AU" smtClean="0"/>
               <a:t>Click to edit Master title style</a:t>
             </a:r>
-            <a:endParaRPr/>
+            <a:endParaRPr lang="en-US" dirty="0"/>
           </a:p>
         </p:txBody>
       </p:sp>
@@ -2852,122 +2472,95 @@
         </p:nvSpPr>
         <p:spPr>
           <a:xfrm>
-            <a:off x="5266765" y="1676400"/>
-            <a:ext cx="2975610" cy="2975610"/>
+            <a:off x="1508126" y="1143000"/>
+            <a:ext cx="6054724" cy="4541044"/>
           </a:xfrm>
-          <a:prstGeom prst="ellipse">
-            <a:avLst/>
-          </a:prstGeom>
-          <a:solidFill>
-            <a:schemeClr val="tx1">
-              <a:lumMod val="75000"/>
-            </a:schemeClr>
-          </a:solidFill>
-          <a:ln w="63500">
+          <a:ln w="76200">
             <a:solidFill>
-              <a:schemeClr val="tx1"/>
+              <a:schemeClr val="bg1"/>
             </a:solidFill>
           </a:ln>
           <a:effectLst>
-            <a:outerShdw blurRad="254000" dist="152400" dir="5400000" sx="90000" sy="-19000" rotWithShape="0">
-              <a:prstClr val="black">
-                <a:alpha val="20000"/>
-              </a:prstClr>
+            <a:outerShdw blurRad="88900" dist="50800" dir="5400000" algn="ctr" rotWithShape="0">
+              <a:srgbClr val="000000">
+                <a:alpha val="25000"/>
+              </a:srgbClr>
             </a:outerShdw>
           </a:effectLst>
+        </p:spPr>
+        <p:txBody>
+          <a:bodyPr anchor="t"/>
+          <a:lstStyle>
+            <a:lvl1pPr marL="0" indent="0" algn="ctr">
+              <a:buNone/>
+              <a:defRPr sz="3200"/>
+            </a:lvl1pPr>
+            <a:lvl2pPr marL="457200" indent="0">
+              <a:buNone/>
+              <a:defRPr sz="2800"/>
+            </a:lvl2pPr>
+            <a:lvl3pPr marL="914400" indent="0">
+              <a:buNone/>
+              <a:defRPr sz="2400"/>
+            </a:lvl3pPr>
+            <a:lvl4pPr marL="1371600" indent="0">
+              <a:buNone/>
+              <a:defRPr sz="2000"/>
+            </a:lvl4pPr>
+            <a:lvl5pPr marL="1828800" indent="0">
+              <a:buNone/>
+              <a:defRPr sz="2000"/>
+            </a:lvl5pPr>
+            <a:lvl6pPr marL="2286000" indent="0">
+              <a:buNone/>
+              <a:defRPr sz="2000"/>
+            </a:lvl6pPr>
+            <a:lvl7pPr marL="2743200" indent="0">
+              <a:buNone/>
+              <a:defRPr sz="2000"/>
+            </a:lvl7pPr>
+            <a:lvl8pPr marL="3200400" indent="0">
+              <a:buNone/>
+              <a:defRPr sz="2000"/>
+            </a:lvl8pPr>
+            <a:lvl9pPr marL="3657600" indent="0">
+              <a:buNone/>
+              <a:defRPr sz="2000"/>
+            </a:lvl9pPr>
+          </a:lstStyle>
+          <a:p>
+            <a:r>
+              <a:rPr lang="en-AU" smtClean="0"/>
+              <a:t>Drag picture to placeholder or click icon to add</a:t>
+            </a:r>
+            <a:endParaRPr lang="en-US" dirty="0"/>
+          </a:p>
+        </p:txBody>
+      </p:sp>
+      <p:sp>
+        <p:nvSpPr>
+          <p:cNvPr id="4" name="Text Placeholder 3"/>
+          <p:cNvSpPr>
+            <a:spLocks noGrp="1"/>
+          </p:cNvSpPr>
+          <p:nvPr>
+            <p:ph type="body" sz="half" idx="2"/>
+          </p:nvPr>
+        </p:nvSpPr>
+        <p:spPr>
+          <a:xfrm>
+            <a:off x="1679576" y="5810250"/>
+            <a:ext cx="5711824" cy="533400"/>
+          </a:xfrm>
         </p:spPr>
         <p:txBody>
           <a:bodyPr>
             <a:normAutofit/>
           </a:bodyPr>
           <a:lstStyle>
-            <a:lvl1pPr marL="0" indent="0">
-              <a:buNone/>
-              <a:defRPr sz="2400"/>
-            </a:lvl1pPr>
-            <a:lvl2pPr marL="457200" indent="0">
-              <a:buNone/>
-              <a:defRPr sz="2800"/>
-            </a:lvl2pPr>
-            <a:lvl3pPr marL="914400" indent="0">
-              <a:buNone/>
-              <a:defRPr sz="2400"/>
-            </a:lvl3pPr>
-            <a:lvl4pPr marL="1371600" indent="0">
-              <a:buNone/>
-              <a:defRPr sz="2000"/>
-            </a:lvl4pPr>
-            <a:lvl5pPr marL="1828800" indent="0">
-              <a:buNone/>
-              <a:defRPr sz="2000"/>
-            </a:lvl5pPr>
-            <a:lvl6pPr marL="2286000" indent="0">
-              <a:buNone/>
-              <a:defRPr sz="2000"/>
-            </a:lvl6pPr>
-            <a:lvl7pPr marL="2743200" indent="0">
-              <a:buNone/>
-              <a:defRPr sz="2000"/>
-            </a:lvl7pPr>
-            <a:lvl8pPr marL="3200400" indent="0">
-              <a:buNone/>
-              <a:defRPr sz="2000"/>
-            </a:lvl8pPr>
-            <a:lvl9pPr marL="3657600" indent="0">
-              <a:buNone/>
-              <a:defRPr sz="2000"/>
-            </a:lvl9pPr>
-          </a:lstStyle>
-          <a:p>
-            <a:r>
-              <a:rPr lang="en-AU" smtClean="0"/>
-              <a:t>Drag picture to placeholder or click icon to add</a:t>
-            </a:r>
-            <a:endParaRPr/>
-          </a:p>
-        </p:txBody>
-      </p:sp>
-      <p:sp>
-        <p:nvSpPr>
-          <p:cNvPr id="4" name="Text Placeholder 3"/>
-          <p:cNvSpPr>
-            <a:spLocks noGrp="1"/>
-          </p:cNvSpPr>
-          <p:nvPr>
-            <p:ph type="body" sz="half" idx="2"/>
-          </p:nvPr>
-        </p:nvSpPr>
-        <p:spPr>
-          <a:xfrm>
-            <a:off x="777240" y="1828800"/>
-            <a:ext cx="3566160" cy="3657600"/>
-          </a:xfrm>
-        </p:spPr>
-        <p:txBody>
-          <a:bodyPr vert="horz" lIns="91440" tIns="45720" rIns="91440" bIns="45720" rtlCol="0">
-            <a:normAutofit/>
-          </a:bodyPr>
-          <a:lstStyle>
             <a:lvl1pPr marL="0" indent="0" algn="ctr">
-              <a:spcBef>
-                <a:spcPts val="600"/>
-              </a:spcBef>
-              <a:buNone/>
-              <a:defRPr sz="2000" b="1" kern="1200">
-                <a:solidFill>
-                  <a:schemeClr val="tx1"/>
-                </a:solidFill>
-                <a:effectLst>
-                  <a:outerShdw blurRad="101600" dist="63500" dir="2700000" algn="tl" rotWithShape="0">
-                    <a:prstClr val="black">
-                      <a:alpha val="75000"/>
-                    </a:prstClr>
-                  </a:outerShdw>
-                </a:effectLst>
-                <a:latin typeface="+mn-lt"/>
-                <a:ea typeface="+mn-ea"/>
-                <a:cs typeface="+mn-cs"/>
-              </a:defRPr>
+              <a:buNone/>
+              <a:defRPr sz="1600"/>
             </a:lvl1pPr>
             <a:lvl2pPr marL="457200" indent="0">
               <a:buNone/>
@@ -3003,13 +2596,7 @@
             </a:lvl9pPr>
           </a:lstStyle>
           <a:p>
-            <a:pPr marL="0" lvl="0" indent="0" algn="ctr" defTabSz="914400" rtl="0" eaLnBrk="1" latinLnBrk="0" hangingPunct="1">
-              <a:spcBef>
-                <a:spcPts val="2000"/>
-              </a:spcBef>
-              <a:buFontTx/>
-              <a:buNone/>
-            </a:pPr>
+            <a:pPr lvl="0"/>
             <a:r>
               <a:rPr lang="en-AU" smtClean="0"/>
               <a:t>Click to edit Master text styles</a:t>
@@ -3094,8 +2681,8 @@
 <p:sldMaster xmlns:a="http://schemas.openxmlformats.org/drawingml/2006/main" xmlns:r="http://schemas.openxmlformats.org/officeDocument/2006/relationships" xmlns:p="http://schemas.openxmlformats.org/presentationml/2006/main">
   <p:cSld>
     <p:bg>
-      <p:bgRef idx="1003">
-        <a:schemeClr val="bg2"/>
+      <p:bgRef idx="1002">
+        <a:schemeClr val="bg1"/>
       </p:bgRef>
     </p:bg>
     <p:spTree>
@@ -3112,58 +2699,27 @@
           <a:chExt cx="0" cy="0"/>
         </a:xfrm>
       </p:grpSpPr>
-      <p:pic>
-        <p:nvPicPr>
-          <p:cNvPr id="7" name="Picture 6" descr="GridOverlay.png"/>
-          <p:cNvPicPr>
-            <a:picLocks noChangeAspect="1"/>
-          </p:cNvPicPr>
-          <p:nvPr/>
-        </p:nvPicPr>
-        <p:blipFill>
-          <a:blip r:embed="rId14"/>
-          <a:stretch>
-            <a:fillRect/>
-          </a:stretch>
-        </p:blipFill>
+      <p:sp>
+        <p:nvSpPr>
+          <p:cNvPr id="2" name="Title Placeholder 1"/>
+          <p:cNvSpPr>
+            <a:spLocks noGrp="1"/>
+          </p:cNvSpPr>
+          <p:nvPr>
+            <p:ph type="title"/>
+          </p:nvPr>
+        </p:nvSpPr>
         <p:spPr>
           <a:xfrm>
-            <a:off x="0" y="0"/>
-            <a:ext cx="9144000" cy="6858000"/>
-          </a:xfrm>
-          <a:prstGeom prst="rect">
-            <a:avLst/>
-          </a:prstGeom>
-          <a:solidFill>
-            <a:schemeClr val="bg2">
-              <a:lumMod val="60000"/>
-              <a:lumOff val="40000"/>
-              <a:alpha val="10000"/>
-            </a:schemeClr>
-          </a:solidFill>
-        </p:spPr>
-      </p:pic>
-      <p:sp>
-        <p:nvSpPr>
-          <p:cNvPr id="2" name="Title Placeholder 1"/>
-          <p:cNvSpPr>
-            <a:spLocks noGrp="1"/>
-          </p:cNvSpPr>
-          <p:nvPr>
-            <p:ph type="title"/>
-          </p:nvPr>
-        </p:nvSpPr>
-        <p:spPr>
-          <a:xfrm>
-            <a:off x="779462" y="107577"/>
-            <a:ext cx="7581901" cy="1653988"/>
+            <a:off x="457200" y="0"/>
+            <a:ext cx="8229600" cy="1600200"/>
           </a:xfrm>
           <a:prstGeom prst="rect">
             <a:avLst/>
           </a:prstGeom>
         </p:spPr>
         <p:txBody>
-          <a:bodyPr vert="horz" lIns="91440" tIns="45720" rIns="91440" bIns="45720" rtlCol="0" anchor="ctr">
+          <a:bodyPr vert="horz" lIns="91440" tIns="45720" rIns="91440" bIns="45720" rtlCol="0" anchor="b">
             <a:noAutofit/>
           </a:bodyPr>
           <a:lstStyle/>
@@ -3172,7 +2728,7 @@
               <a:rPr lang="en-AU" smtClean="0"/>
               <a:t>Click to edit Master title style</a:t>
             </a:r>
-            <a:endParaRPr/>
+            <a:endParaRPr lang="en-US" dirty="0"/>
           </a:p>
         </p:txBody>
       </p:sp>
@@ -3188,8 +2744,8 @@
         </p:nvSpPr>
         <p:spPr>
           <a:xfrm>
-            <a:off x="779462" y="1882588"/>
-            <a:ext cx="7581901" cy="3953436"/>
+            <a:off x="457200" y="1600200"/>
+            <a:ext cx="8229600" cy="4525963"/>
           </a:xfrm>
           <a:prstGeom prst="rect">
             <a:avLst/>
@@ -3203,38 +2759,38 @@
           <a:p>
             <a:pPr lvl="0"/>
             <a:r>
-              <a:rPr lang="en-AU" dirty="0" smtClean="0"/>
+              <a:rPr lang="en-AU" smtClean="0"/>
               <a:t>Click to edit Master text styles</a:t>
             </a:r>
           </a:p>
           <a:p>
             <a:pPr lvl="1"/>
             <a:r>
-              <a:rPr lang="en-AU" dirty="0" smtClean="0"/>
+              <a:rPr lang="en-AU" smtClean="0"/>
               <a:t>Second level</a:t>
             </a:r>
           </a:p>
           <a:p>
             <a:pPr lvl="2"/>
             <a:r>
-              <a:rPr lang="en-AU" dirty="0" smtClean="0"/>
+              <a:rPr lang="en-AU" smtClean="0"/>
               <a:t>Third level</a:t>
             </a:r>
           </a:p>
           <a:p>
             <a:pPr lvl="3"/>
             <a:r>
-              <a:rPr lang="en-AU" dirty="0" smtClean="0"/>
+              <a:rPr lang="en-AU" smtClean="0"/>
               <a:t>Fourth level</a:t>
             </a:r>
           </a:p>
           <a:p>
             <a:pPr lvl="4"/>
             <a:r>
-              <a:rPr lang="en-AU" dirty="0" smtClean="0"/>
+              <a:rPr lang="en-AU" smtClean="0"/>
               <a:t>Fifth level</a:t>
             </a:r>
-            <a:endParaRPr dirty="0"/>
+            <a:endParaRPr lang="en-US" dirty="0" smtClean="0"/>
           </a:p>
         </p:txBody>
       </p:sp>
@@ -3250,30 +2806,25 @@
         </p:nvSpPr>
         <p:spPr>
           <a:xfrm>
-            <a:off x="6651812" y="6356350"/>
-            <a:ext cx="2133600" cy="365125"/>
+            <a:off x="6363347" y="6356350"/>
+            <a:ext cx="2085975" cy="365125"/>
           </a:xfrm>
           <a:prstGeom prst="rect">
             <a:avLst/>
           </a:prstGeom>
         </p:spPr>
         <p:txBody>
-          <a:bodyPr vert="horz" lIns="91440" tIns="45720" rIns="91440" bIns="45720" rtlCol="0" anchor="ctr"/>
+          <a:bodyPr vert="horz" lIns="91440" tIns="45720" rIns="45720" bIns="45720" rtlCol="0" anchor="ctr"/>
           <a:lstStyle>
             <a:lvl1pPr algn="r">
-              <a:defRPr sz="1100">
+              <a:defRPr sz="1200">
                 <a:solidFill>
                   <a:schemeClr val="tx1">
-                    <a:tint val="75000"/>
+                    <a:lumMod val="65000"/>
+                    <a:lumOff val="35000"/>
                   </a:schemeClr>
                 </a:solidFill>
-                <a:effectLst>
-                  <a:outerShdw blurRad="101600" dist="63500" dir="2700000" algn="tl" rotWithShape="0">
-                    <a:prstClr val="black">
-                      <a:alpha val="75000"/>
-                    </a:prstClr>
-                  </a:outerShdw>
-                </a:effectLst>
+                <a:latin typeface="Century Gothic" pitchFamily="34" charset="0"/>
               </a:defRPr>
             </a:lvl1pPr>
           </a:lstStyle>
@@ -3298,30 +2849,25 @@
         </p:nvSpPr>
         <p:spPr>
           <a:xfrm>
-            <a:off x="354106" y="6356350"/>
-            <a:ext cx="2895600" cy="365125"/>
+            <a:off x="659165" y="6356350"/>
+            <a:ext cx="2847975" cy="365125"/>
           </a:xfrm>
           <a:prstGeom prst="rect">
             <a:avLst/>
           </a:prstGeom>
         </p:spPr>
         <p:txBody>
-          <a:bodyPr vert="horz" lIns="91440" tIns="45720" rIns="91440" bIns="45720" rtlCol="0" anchor="ctr"/>
+          <a:bodyPr vert="horz" lIns="45720" tIns="45720" rIns="91440" bIns="45720" rtlCol="0" anchor="ctr"/>
           <a:lstStyle>
             <a:lvl1pPr algn="l">
-              <a:defRPr sz="1100">
+              <a:defRPr sz="1200">
                 <a:solidFill>
                   <a:schemeClr val="tx1">
-                    <a:tint val="75000"/>
+                    <a:lumMod val="65000"/>
+                    <a:lumOff val="35000"/>
                   </a:schemeClr>
                 </a:solidFill>
-                <a:effectLst>
-                  <a:outerShdw blurRad="101600" dist="63500" dir="2700000" algn="tl" rotWithShape="0">
-                    <a:prstClr val="black">
-                      <a:alpha val="75000"/>
-                    </a:prstClr>
-                  </a:outerShdw>
-                </a:effectLst>
+                <a:latin typeface="Century Gothic" pitchFamily="34" charset="0"/>
               </a:defRPr>
             </a:lvl1pPr>
           </a:lstStyle>
@@ -3342,30 +2888,25 @@
         </p:nvSpPr>
         <p:spPr>
           <a:xfrm>
-            <a:off x="4191000" y="6356350"/>
-            <a:ext cx="762000" cy="365125"/>
+            <a:off x="8543278" y="6356350"/>
+            <a:ext cx="561975" cy="365125"/>
           </a:xfrm>
           <a:prstGeom prst="rect">
             <a:avLst/>
           </a:prstGeom>
         </p:spPr>
         <p:txBody>
-          <a:bodyPr vert="horz" lIns="91440" tIns="45720" rIns="91440" bIns="45720" rtlCol="0" anchor="ctr"/>
+          <a:bodyPr vert="horz" lIns="27432" tIns="45720" rIns="45720" bIns="45720" rtlCol="0" anchor="ctr"/>
           <a:lstStyle>
-            <a:lvl1pPr algn="ctr">
-              <a:defRPr sz="1100">
+            <a:lvl1pPr algn="l">
+              <a:defRPr sz="1200">
                 <a:solidFill>
                   <a:schemeClr val="tx1">
-                    <a:tint val="75000"/>
+                    <a:lumMod val="65000"/>
+                    <a:lumOff val="35000"/>
                   </a:schemeClr>
                 </a:solidFill>
-                <a:effectLst>
-                  <a:outerShdw blurRad="101600" dist="63500" dir="2700000" algn="tl" rotWithShape="0">
-                    <a:prstClr val="black">
-                      <a:alpha val="75000"/>
-                    </a:prstClr>
-                  </a:outerShdw>
-                </a:effectLst>
+                <a:latin typeface="Century Gothic" pitchFamily="34" charset="0"/>
               </a:defRPr>
             </a:lvl1pPr>
           </a:lstStyle>
@@ -3378,260 +2919,315 @@
           </a:p>
         </p:txBody>
       </p:sp>
+      <p:sp>
+        <p:nvSpPr>
+          <p:cNvPr id="7" name="Oval 6"/>
+          <p:cNvSpPr/>
+          <p:nvPr/>
+        </p:nvSpPr>
+        <p:spPr>
+          <a:xfrm>
+            <a:off x="8457760" y="6499384"/>
+            <a:ext cx="84772" cy="84772"/>
+          </a:xfrm>
+          <a:prstGeom prst="ellipse">
+            <a:avLst/>
+          </a:prstGeom>
+          <a:solidFill>
+            <a:schemeClr val="tx1">
+              <a:lumMod val="50000"/>
+              <a:lumOff val="50000"/>
+            </a:schemeClr>
+          </a:solidFill>
+          <a:ln w="12700">
+            <a:noFill/>
+          </a:ln>
+          <a:effectLst/>
+        </p:spPr>
+        <p:style>
+          <a:lnRef idx="2">
+            <a:schemeClr val="accent1">
+              <a:shade val="50000"/>
+            </a:schemeClr>
+          </a:lnRef>
+          <a:fillRef idx="1">
+            <a:schemeClr val="accent1"/>
+          </a:fillRef>
+          <a:effectRef idx="0">
+            <a:schemeClr val="accent1"/>
+          </a:effectRef>
+          <a:fontRef idx="minor">
+            <a:schemeClr val="lt1"/>
+          </a:fontRef>
+        </p:style>
+        <p:txBody>
+          <a:bodyPr rtlCol="0" anchor="ctr"/>
+          <a:lstStyle/>
+          <a:p>
+            <a:pPr marL="0" algn="ctr" defTabSz="914400" rtl="0" eaLnBrk="1" latinLnBrk="0" hangingPunct="1"/>
+            <a:endParaRPr lang="en-US" sz="1800" kern="1200">
+              <a:solidFill>
+                <a:schemeClr val="lt1"/>
+              </a:solidFill>
+              <a:latin typeface="+mn-lt"/>
+              <a:ea typeface="+mn-ea"/>
+              <a:cs typeface="+mn-cs"/>
+            </a:endParaRPr>
+          </a:p>
+        </p:txBody>
+      </p:sp>
+      <p:sp>
+        <p:nvSpPr>
+          <p:cNvPr id="8" name="Oval 7"/>
+          <p:cNvSpPr/>
+          <p:nvPr/>
+        </p:nvSpPr>
+        <p:spPr>
+          <a:xfrm>
+            <a:off x="569119" y="6499384"/>
+            <a:ext cx="84772" cy="84772"/>
+          </a:xfrm>
+          <a:prstGeom prst="ellipse">
+            <a:avLst/>
+          </a:prstGeom>
+          <a:solidFill>
+            <a:schemeClr val="tx1">
+              <a:lumMod val="50000"/>
+              <a:lumOff val="50000"/>
+            </a:schemeClr>
+          </a:solidFill>
+          <a:ln w="12700">
+            <a:noFill/>
+          </a:ln>
+          <a:effectLst/>
+        </p:spPr>
+        <p:style>
+          <a:lnRef idx="2">
+            <a:schemeClr val="accent1">
+              <a:shade val="50000"/>
+            </a:schemeClr>
+          </a:lnRef>
+          <a:fillRef idx="1">
+            <a:schemeClr val="accent1"/>
+          </a:fillRef>
+          <a:effectRef idx="0">
+            <a:schemeClr val="accent1"/>
+          </a:effectRef>
+          <a:fontRef idx="minor">
+            <a:schemeClr val="lt1"/>
+          </a:fontRef>
+        </p:style>
+        <p:txBody>
+          <a:bodyPr rtlCol="0" anchor="ctr"/>
+          <a:lstStyle/>
+          <a:p>
+            <a:pPr algn="ctr"/>
+            <a:endParaRPr lang="en-US"/>
+          </a:p>
+        </p:txBody>
+      </p:sp>
     </p:spTree>
   </p:cSld>
-  <p:clrMap bg1="dk1" tx1="lt1" bg2="dk2" tx2="lt2" accent1="accent1" accent2="accent2" accent3="accent3" accent4="accent4" accent5="accent5" accent6="accent6" hlink="hlink" folHlink="folHlink"/>
+  <p:clrMap bg1="lt1" tx1="dk1" bg2="lt2" tx2="dk2" accent1="accent1" accent2="accent2" accent3="accent3" accent4="accent4" accent5="accent5" accent6="accent6" hlink="hlink" folHlink="folHlink"/>
   <p:sldLayoutIdLst>
-    <p:sldLayoutId id="2147483772" r:id="rId1"/>
-    <p:sldLayoutId id="2147483773" r:id="rId2"/>
-    <p:sldLayoutId id="2147483774" r:id="rId3"/>
-    <p:sldLayoutId id="2147483775" r:id="rId4"/>
-    <p:sldLayoutId id="2147483776" r:id="rId5"/>
-    <p:sldLayoutId id="2147483777" r:id="rId6"/>
-    <p:sldLayoutId id="2147483778" r:id="rId7"/>
-    <p:sldLayoutId id="2147483779" r:id="rId8"/>
-    <p:sldLayoutId id="2147483780" r:id="rId9"/>
-    <p:sldLayoutId id="2147483781" r:id="rId10"/>
-    <p:sldLayoutId id="2147483782" r:id="rId11"/>
-    <p:sldLayoutId id="2147483783" r:id="rId12"/>
+    <p:sldLayoutId id="2147483821" r:id="rId1"/>
+    <p:sldLayoutId id="2147483822" r:id="rId2"/>
+    <p:sldLayoutId id="2147483823" r:id="rId3"/>
+    <p:sldLayoutId id="2147483824" r:id="rId4"/>
+    <p:sldLayoutId id="2147483825" r:id="rId5"/>
+    <p:sldLayoutId id="2147483826" r:id="rId6"/>
+    <p:sldLayoutId id="2147483827" r:id="rId7"/>
+    <p:sldLayoutId id="2147483828" r:id="rId8"/>
+    <p:sldLayoutId id="2147483829" r:id="rId9"/>
+    <p:sldLayoutId id="2147483830" r:id="rId10"/>
+    <p:sldLayoutId id="2147483831" r:id="rId11"/>
   </p:sldLayoutIdLst>
   <p:txStyles>
     <p:titleStyle>
       <a:lvl1pPr algn="ctr" defTabSz="914400" rtl="0" eaLnBrk="1" latinLnBrk="0" hangingPunct="1">
+        <a:lnSpc>
+          <a:spcPts val="5800"/>
+        </a:lnSpc>
         <a:spcBef>
           <a:spcPct val="0"/>
         </a:spcBef>
         <a:buNone/>
-        <a:defRPr sz="5600" b="1" kern="1200">
+        <a:defRPr sz="5400" kern="1200">
           <a:solidFill>
-            <a:schemeClr val="tx1"/>
+            <a:schemeClr val="tx2"/>
           </a:solidFill>
           <a:effectLst>
-            <a:outerShdw blurRad="101600" dist="63500" dir="2700000" algn="tl" rotWithShape="0">
+            <a:outerShdw blurRad="63500" dist="38100" dir="5400000" algn="t" rotWithShape="0">
               <a:prstClr val="black">
-                <a:alpha val="75000"/>
+                <a:alpha val="25000"/>
               </a:prstClr>
             </a:outerShdw>
           </a:effectLst>
-          <a:latin typeface="+mj-lt"/>
+          <a:latin typeface="+mn-lt"/>
           <a:ea typeface="+mj-ea"/>
           <a:cs typeface="+mj-cs"/>
         </a:defRPr>
       </a:lvl1pPr>
     </p:titleStyle>
     <p:bodyStyle>
-      <a:lvl1pPr marL="403225" indent="-403225" algn="l" defTabSz="914400" rtl="0" eaLnBrk="1" latinLnBrk="0" hangingPunct="1">
+      <a:lvl1pPr marL="342900" indent="-342900" algn="l" defTabSz="914400" rtl="0" eaLnBrk="1" latinLnBrk="0" hangingPunct="1">
         <a:spcBef>
-          <a:spcPts val="2000"/>
+          <a:spcPct val="20000"/>
         </a:spcBef>
-        <a:buFontTx/>
-        <a:buBlip>
-          <a:blip r:embed="rId15"/>
-        </a:buBlip>
-        <a:defRPr sz="2400" b="1" kern="1200">
+        <a:buFont typeface="Arial" pitchFamily="34" charset="0"/>
+        <a:buChar char="•"/>
+        <a:defRPr sz="2400" kern="1200">
           <a:solidFill>
-            <a:schemeClr val="tx1"/>
+            <a:schemeClr val="tx1">
+              <a:lumMod val="50000"/>
+              <a:lumOff val="50000"/>
+            </a:schemeClr>
           </a:solidFill>
-          <a:effectLst>
-            <a:outerShdw blurRad="101600" dist="63500" dir="2700000" algn="tl" rotWithShape="0">
-              <a:prstClr val="black">
-                <a:alpha val="75000"/>
-              </a:prstClr>
-            </a:outerShdw>
-          </a:effectLst>
-          <a:latin typeface="+mn-lt"/>
+          <a:latin typeface="+mj-lt"/>
           <a:ea typeface="+mn-ea"/>
           <a:cs typeface="+mn-cs"/>
         </a:defRPr>
       </a:lvl1pPr>
-      <a:lvl2pPr marL="806450" indent="-403225" algn="l" defTabSz="914400" rtl="0" eaLnBrk="1" latinLnBrk="0" hangingPunct="1">
+      <a:lvl2pPr marL="742950" indent="-285750" algn="l" defTabSz="914400" rtl="0" eaLnBrk="1" latinLnBrk="0" hangingPunct="1">
         <a:spcBef>
-          <a:spcPts val="600"/>
+          <a:spcPct val="20000"/>
         </a:spcBef>
-        <a:buFontTx/>
-        <a:buBlip>
-          <a:blip r:embed="rId15"/>
-        </a:buBlip>
-        <a:defRPr sz="2200" b="1" kern="1200">
+        <a:buFont typeface="Courier New" pitchFamily="49" charset="0"/>
+        <a:buChar char="o"/>
+        <a:defRPr sz="1600" kern="1200">
           <a:solidFill>
-            <a:schemeClr val="tx1"/>
+            <a:schemeClr val="tx1">
+              <a:lumMod val="50000"/>
+              <a:lumOff val="50000"/>
+            </a:schemeClr>
           </a:solidFill>
-          <a:effectLst>
-            <a:outerShdw blurRad="101600" dist="63500" dir="2700000" algn="tl" rotWithShape="0">
-              <a:prstClr val="black">
-                <a:alpha val="75000"/>
-              </a:prstClr>
-            </a:outerShdw>
-          </a:effectLst>
-          <a:latin typeface="+mn-lt"/>
+          <a:latin typeface="+mj-lt"/>
           <a:ea typeface="+mn-ea"/>
           <a:cs typeface="+mn-cs"/>
         </a:defRPr>
       </a:lvl2pPr>
-      <a:lvl3pPr marL="1143000" indent="-336550" algn="l" defTabSz="914400" rtl="0" eaLnBrk="1" latinLnBrk="0" hangingPunct="1">
+      <a:lvl3pPr marL="1143000" indent="-228600" algn="l" defTabSz="914400" rtl="0" eaLnBrk="1" latinLnBrk="0" hangingPunct="1">
         <a:spcBef>
-          <a:spcPts val="600"/>
+          <a:spcPct val="20000"/>
         </a:spcBef>
-        <a:buFontTx/>
-        <a:buBlip>
-          <a:blip r:embed="rId15"/>
-        </a:buBlip>
-        <a:defRPr sz="2000" b="1" kern="1200">
+        <a:buFont typeface="Arial" pitchFamily="34" charset="0"/>
+        <a:buChar char="•"/>
+        <a:defRPr sz="1600" kern="1200">
           <a:solidFill>
-            <a:schemeClr val="tx1"/>
+            <a:schemeClr val="tx1">
+              <a:lumMod val="50000"/>
+              <a:lumOff val="50000"/>
+            </a:schemeClr>
           </a:solidFill>
-          <a:effectLst>
-            <a:outerShdw blurRad="101600" dist="63500" dir="2700000" algn="tl" rotWithShape="0">
-              <a:prstClr val="black">
-                <a:alpha val="75000"/>
-              </a:prstClr>
-            </a:outerShdw>
-          </a:effectLst>
-          <a:latin typeface="+mn-lt"/>
+          <a:latin typeface="+mj-lt"/>
           <a:ea typeface="+mn-ea"/>
           <a:cs typeface="+mn-cs"/>
         </a:defRPr>
       </a:lvl3pPr>
-      <a:lvl4pPr marL="1492250" indent="-349250" algn="l" defTabSz="914400" rtl="0" eaLnBrk="1" latinLnBrk="0" hangingPunct="1">
+      <a:lvl4pPr marL="1600200" indent="-228600" algn="l" defTabSz="914400" rtl="0" eaLnBrk="1" latinLnBrk="0" hangingPunct="1">
         <a:spcBef>
-          <a:spcPts val="600"/>
+          <a:spcPct val="20000"/>
         </a:spcBef>
-        <a:buFontTx/>
-        <a:buBlip>
-          <a:blip r:embed="rId15"/>
-        </a:buBlip>
-        <a:defRPr sz="1800" b="1" kern="1200">
+        <a:buFont typeface="Courier New" pitchFamily="49" charset="0"/>
+        <a:buChar char="o"/>
+        <a:defRPr sz="1600" kern="1200">
           <a:solidFill>
-            <a:schemeClr val="tx1"/>
+            <a:schemeClr val="tx1">
+              <a:lumMod val="50000"/>
+              <a:lumOff val="50000"/>
+            </a:schemeClr>
           </a:solidFill>
-          <a:effectLst>
-            <a:outerShdw blurRad="101600" dist="63500" dir="2700000" algn="tl" rotWithShape="0">
-              <a:prstClr val="black">
-                <a:alpha val="75000"/>
-              </a:prstClr>
-            </a:outerShdw>
-          </a:effectLst>
-          <a:latin typeface="+mn-lt"/>
+          <a:latin typeface="+mj-lt"/>
           <a:ea typeface="+mn-ea"/>
           <a:cs typeface="+mn-cs"/>
         </a:defRPr>
       </a:lvl4pPr>
-      <a:lvl5pPr marL="1828800" indent="-336550" algn="l" defTabSz="914400" rtl="0" eaLnBrk="1" latinLnBrk="0" hangingPunct="1">
+      <a:lvl5pPr marL="2057400" indent="-228600" algn="l" defTabSz="914400" rtl="0" eaLnBrk="1" latinLnBrk="0" hangingPunct="1">
         <a:spcBef>
-          <a:spcPts val="600"/>
+          <a:spcPct val="20000"/>
         </a:spcBef>
-        <a:buFontTx/>
-        <a:buBlip>
-          <a:blip r:embed="rId15"/>
-        </a:buBlip>
-        <a:defRPr sz="1800" b="1" kern="1200">
+        <a:buFont typeface="Arial" pitchFamily="34" charset="0"/>
+        <a:buChar char="•"/>
+        <a:defRPr sz="1600" kern="1200">
           <a:solidFill>
-            <a:schemeClr val="tx1"/>
+            <a:schemeClr val="tx1">
+              <a:lumMod val="50000"/>
+              <a:lumOff val="50000"/>
+            </a:schemeClr>
           </a:solidFill>
-          <a:effectLst>
-            <a:outerShdw blurRad="101600" dist="63500" dir="2700000" algn="tl" rotWithShape="0">
-              <a:prstClr val="black">
-                <a:alpha val="75000"/>
-              </a:prstClr>
-            </a:outerShdw>
-          </a:effectLst>
-          <a:latin typeface="+mn-lt"/>
+          <a:latin typeface="+mj-lt"/>
           <a:ea typeface="+mn-ea"/>
           <a:cs typeface="+mn-cs"/>
         </a:defRPr>
       </a:lvl5pPr>
-      <a:lvl6pPr marL="2173288" indent="-344488" algn="l" defTabSz="914400" rtl="0" eaLnBrk="1" latinLnBrk="0" hangingPunct="1">
+      <a:lvl6pPr marL="2514600" indent="-228600" algn="l" defTabSz="914400" rtl="0" eaLnBrk="1" latinLnBrk="0" hangingPunct="1">
         <a:spcBef>
           <a:spcPct val="20000"/>
         </a:spcBef>
-        <a:buFontTx/>
-        <a:buBlip>
-          <a:blip r:embed="rId15"/>
-        </a:buBlip>
-        <a:defRPr lang="en-US" sz="1800" b="1" kern="1200" dirty="0" smtClean="0">
+        <a:buFont typeface="Courier New" pitchFamily="49" charset="0"/>
+        <a:buChar char="o"/>
+        <a:defRPr sz="1600" kern="1200">
           <a:solidFill>
-            <a:schemeClr val="tx1"/>
+            <a:schemeClr val="tx1">
+              <a:lumMod val="50000"/>
+              <a:lumOff val="50000"/>
+            </a:schemeClr>
           </a:solidFill>
-          <a:effectLst>
-            <a:outerShdw blurRad="101600" dist="63500" dir="2700000" algn="tl" rotWithShape="0">
-              <a:prstClr val="black">
-                <a:alpha val="75000"/>
-              </a:prstClr>
-            </a:outerShdw>
-          </a:effectLst>
-          <a:latin typeface="+mn-lt"/>
+          <a:latin typeface="+mj-lt"/>
           <a:ea typeface="+mn-ea"/>
           <a:cs typeface="+mn-cs"/>
         </a:defRPr>
       </a:lvl6pPr>
-      <a:lvl7pPr marL="2516188" indent="-344488" algn="l" defTabSz="914400" rtl="0" eaLnBrk="1" latinLnBrk="0" hangingPunct="1">
+      <a:lvl7pPr marL="2971800" indent="-228600" algn="l" defTabSz="914400" rtl="0" eaLnBrk="1" latinLnBrk="0" hangingPunct="1">
         <a:spcBef>
           <a:spcPct val="20000"/>
         </a:spcBef>
-        <a:buFontTx/>
-        <a:buBlip>
-          <a:blip r:embed="rId15"/>
-        </a:buBlip>
-        <a:defRPr lang="en-US" sz="1800" b="1" kern="1200" dirty="0" smtClean="0">
+        <a:buFont typeface="Arial" pitchFamily="34" charset="0"/>
+        <a:buChar char="•"/>
+        <a:defRPr sz="1600" kern="1200">
           <a:solidFill>
-            <a:schemeClr val="tx1"/>
+            <a:schemeClr val="tx1">
+              <a:lumMod val="50000"/>
+              <a:lumOff val="50000"/>
+            </a:schemeClr>
           </a:solidFill>
-          <a:effectLst>
-            <a:outerShdw blurRad="101600" dist="63500" dir="2700000" algn="tl" rotWithShape="0">
-              <a:prstClr val="black">
-                <a:alpha val="75000"/>
-              </a:prstClr>
-            </a:outerShdw>
-          </a:effectLst>
-          <a:latin typeface="+mn-lt"/>
+          <a:latin typeface="+mj-lt"/>
           <a:ea typeface="+mn-ea"/>
           <a:cs typeface="+mn-cs"/>
         </a:defRPr>
       </a:lvl7pPr>
-      <a:lvl8pPr marL="2860675" indent="-344488" algn="l" defTabSz="914400" rtl="0" eaLnBrk="1" latinLnBrk="0" hangingPunct="1">
+      <a:lvl8pPr marL="3429000" indent="-228600" algn="l" defTabSz="914400" rtl="0" eaLnBrk="1" latinLnBrk="0" hangingPunct="1">
         <a:spcBef>
           <a:spcPct val="20000"/>
         </a:spcBef>
-        <a:buFontTx/>
-        <a:buBlip>
-          <a:blip r:embed="rId15"/>
-        </a:buBlip>
-        <a:defRPr lang="en-US" sz="1800" b="1" kern="1200" dirty="0" smtClean="0">
+        <a:buFont typeface="Courier New" pitchFamily="49" charset="0"/>
+        <a:buChar char="o"/>
+        <a:defRPr sz="1600" kern="1200">
           <a:solidFill>
-            <a:schemeClr val="tx1"/>
+            <a:schemeClr val="tx1">
+              <a:lumMod val="50000"/>
+              <a:lumOff val="50000"/>
+            </a:schemeClr>
           </a:solidFill>
-          <a:effectLst>
-            <a:outerShdw blurRad="101600" dist="63500" dir="2700000" algn="tl" rotWithShape="0">
-              <a:prstClr val="black">
-                <a:alpha val="75000"/>
-              </a:prstClr>
-            </a:outerShdw>
-          </a:effectLst>
-          <a:latin typeface="+mn-lt"/>
+          <a:latin typeface="+mj-lt"/>
           <a:ea typeface="+mn-ea"/>
           <a:cs typeface="+mn-cs"/>
         </a:defRPr>
       </a:lvl8pPr>
-      <a:lvl9pPr marL="3205163" indent="-344488" algn="l" defTabSz="914400" rtl="0" eaLnBrk="1" latinLnBrk="0" hangingPunct="1">
+      <a:lvl9pPr marL="3886200" indent="-228600" algn="l" defTabSz="914400" rtl="0" eaLnBrk="1" latinLnBrk="0" hangingPunct="1">
         <a:spcBef>
           <a:spcPct val="20000"/>
         </a:spcBef>
-        <a:buFontTx/>
-        <a:buBlip>
-          <a:blip r:embed="rId15"/>
-        </a:buBlip>
-        <a:defRPr lang="en-US" sz="1800" b="1" kern="1200" dirty="0">
+        <a:buFont typeface="Arial" pitchFamily="34" charset="0"/>
+        <a:buChar char="•"/>
+        <a:defRPr sz="1600" kern="1200">
           <a:solidFill>
-            <a:schemeClr val="tx1"/>
+            <a:schemeClr val="tx1">
+              <a:lumMod val="50000"/>
+              <a:lumOff val="50000"/>
+            </a:schemeClr>
           </a:solidFill>
-          <a:effectLst>
-            <a:outerShdw blurRad="101600" dist="63500" dir="2700000" algn="tl" rotWithShape="0">
-              <a:prstClr val="black">
-                <a:alpha val="75000"/>
-              </a:prstClr>
-            </a:outerShdw>
-          </a:effectLst>
-          <a:latin typeface="+mn-lt"/>
+          <a:latin typeface="+mj-lt"/>
           <a:ea typeface="+mn-ea"/>
           <a:cs typeface="+mn-cs"/>
         </a:defRPr>
@@ -3639,7 +3235,7 @@
     </p:bodyStyle>
     <p:otherStyle>
       <a:defPPr>
-        <a:defRPr/>
+        <a:defRPr lang="en-US"/>
       </a:defPPr>
       <a:lvl1pPr marL="0" algn="l" defTabSz="914400" rtl="0" eaLnBrk="1" latinLnBrk="0" hangingPunct="1">
         <a:defRPr sz="1800" kern="1200">
@@ -4002,7 +3598,7 @@
           <a:p>
             <a:r>
               <a:rPr lang="en-US"/>
-              <a:t>Optional&lt;String&gt; is comparable, but</a:t>
+              <a:t>Optional&lt;String&gt; is equatable, but</a:t>
             </a:r>
             <a:br>
               <a:rPr lang="en-US"/>
@@ -4594,93 +4190,164 @@
 </file>
 
 <file path=ppt/theme/theme1.xml><?xml version="1.0" encoding="utf-8"?>
-<a:theme xmlns:a="http://schemas.openxmlformats.org/drawingml/2006/main" name="Orbit">
+<a:theme xmlns:a="http://schemas.openxmlformats.org/drawingml/2006/main" name="Executive">
   <a:themeElements>
-    <a:clrScheme name="Orbit">
+    <a:clrScheme name="Executive">
       <a:dk1>
-        <a:srgbClr val="000000"/>
+        <a:sysClr val="windowText" lastClr="000000"/>
       </a:dk1>
       <a:lt1>
-        <a:srgbClr val="FFFFFF"/>
+        <a:sysClr val="window" lastClr="FFFFFF"/>
       </a:lt1>
       <a:dk2>
-        <a:srgbClr val="7C9BA5"/>
+        <a:srgbClr val="2F5897"/>
       </a:dk2>
       <a:lt2>
-        <a:srgbClr val="C1D0CA"/>
+        <a:srgbClr val="E4E9EF"/>
       </a:lt2>
       <a:accent1>
-        <a:srgbClr val="F2D908"/>
+        <a:srgbClr val="6076B4"/>
       </a:accent1>
       <a:accent2>
-        <a:srgbClr val="9DE61E"/>
+        <a:srgbClr val="9C5252"/>
       </a:accent2>
       <a:accent3>
-        <a:srgbClr val="0D8BE6"/>
+        <a:srgbClr val="E68422"/>
       </a:accent3>
       <a:accent4>
-        <a:srgbClr val="C61B1B"/>
+        <a:srgbClr val="846648"/>
       </a:accent4>
       <a:accent5>
-        <a:srgbClr val="E26F08"/>
+        <a:srgbClr val="63891F"/>
       </a:accent5>
       <a:accent6>
-        <a:srgbClr val="8D35D1"/>
+        <a:srgbClr val="758085"/>
       </a:accent6>
       <a:hlink>
-        <a:srgbClr val="ECBF0B"/>
+        <a:srgbClr val="3399FF"/>
       </a:hlink>
       <a:folHlink>
-        <a:srgbClr val="F4E5A8"/>
+        <a:srgbClr val="B2B2B2"/>
       </a:folHlink>
     </a:clrScheme>
-    <a:fontScheme name="Orbit">
+    <a:fontScheme name="Executive">
       <a:majorFont>
-        <a:latin typeface="Candara"/>
+        <a:latin typeface="Century Gothic"/>
         <a:ea typeface=""/>
         <a:cs typeface=""/>
-        <a:font script="Jpan" typeface="ＭＳ Ｐゴシック"/>
+        <a:font script="Jpan" typeface="ＭＳ ゴシック"/>
+        <a:font script="Hang" typeface="HY중고딕"/>
+        <a:font script="Hans" typeface="微软雅黑"/>
+        <a:font script="Hant" typeface="微軟正黑體"/>
+        <a:font script="Arab" typeface="Tahoma"/>
+        <a:font script="Hebr" typeface="Gisha"/>
+        <a:font script="Thai" typeface="DilleniaUPC"/>
+        <a:font script="Ethi" typeface="Nyala"/>
+        <a:font script="Beng" typeface="Vrinda"/>
+        <a:font script="Gujr" typeface="Shruti"/>
+        <a:font script="Khmr" typeface="DaunPenh"/>
+        <a:font script="Knda" typeface="Tunga"/>
+        <a:font script="Guru" typeface="Raavi"/>
+        <a:font script="Cans" typeface="Euphemia"/>
+        <a:font script="Cher" typeface="Plantagenet Cherokee"/>
+        <a:font script="Yiii" typeface="Microsoft Yi Baiti"/>
+        <a:font script="Tibt" typeface="Microsoft Himalaya"/>
+        <a:font script="Thaa" typeface="MV Boli"/>
+        <a:font script="Deva" typeface="Mangal"/>
+        <a:font script="Telu" typeface="Gautami"/>
+        <a:font script="Taml" typeface="Latha"/>
+        <a:font script="Syrc" typeface="Estrangelo Edessa"/>
+        <a:font script="Orya" typeface="Kalinga"/>
+        <a:font script="Mlym" typeface="Kartika"/>
+        <a:font script="Laoo" typeface="DokChampa"/>
+        <a:font script="Sinh" typeface="Iskoola Pota"/>
+        <a:font script="Mong" typeface="Mongolian Baiti"/>
+        <a:font script="Viet" typeface="Tahoma"/>
+        <a:font script="Uigh" typeface="Microsoft Uighur"/>
+        <a:font script="Geor" typeface="Sylfaen"/>
+      </a:majorFont>
+      <a:minorFont>
+        <a:latin typeface="Palatino Linotype"/>
+        <a:ea typeface=""/>
+        <a:cs typeface=""/>
+        <a:font script="Jpan" typeface="HGS明朝E"/>
+        <a:font script="Hang" typeface="맑은 고딕"/>
         <a:font script="Hans" typeface="宋体"/>
         <a:font script="Hant" typeface="新細明體"/>
-      </a:majorFont>
-      <a:minorFont>
-        <a:latin typeface="Candara"/>
-        <a:ea typeface=""/>
-        <a:cs typeface=""/>
-        <a:font script="Jpan" typeface="ＭＳ Ｐゴシック"/>
-        <a:font script="Hans" typeface="宋体"/>
-        <a:font script="Hant" typeface="新細明體"/>
+        <a:font script="Arab" typeface="Times New Roman"/>
+        <a:font script="Hebr" typeface="Times New Roman"/>
+        <a:font script="Thai" typeface="Browallia New"/>
+        <a:font script="Ethi" typeface="Nyala"/>
+        <a:font script="Beng" typeface="Vrinda"/>
+        <a:font script="Gujr" typeface="Shruti"/>
+        <a:font script="Khmr" typeface="MoolBoran"/>
+        <a:font script="Knda" typeface="Tunga"/>
+        <a:font script="Guru" typeface="Raavi"/>
+        <a:font script="Cans" typeface="Euphemia"/>
+        <a:font script="Cher" typeface="Plantagenet Cherokee"/>
+        <a:font script="Yiii" typeface="Microsoft Yi Baiti"/>
+        <a:font script="Tibt" typeface="Microsoft Himalaya"/>
+        <a:font script="Thaa" typeface="MV Boli"/>
+        <a:font script="Deva" typeface="Mangal"/>
+        <a:font script="Telu" typeface="Gautami"/>
+        <a:font script="Taml" typeface="Latha"/>
+        <a:font script="Syrc" typeface="Estrangelo Edessa"/>
+        <a:font script="Orya" typeface="Kalinga"/>
+        <a:font script="Mlym" typeface="Kartika"/>
+        <a:font script="Laoo" typeface="DokChampa"/>
+        <a:font script="Sinh" typeface="Iskoola Pota"/>
+        <a:font script="Mong" typeface="Mongolian Baiti"/>
+        <a:font script="Viet" typeface="Times New Roman"/>
+        <a:font script="Uigh" typeface="Microsoft Uighur"/>
+        <a:font script="Geor" typeface="Sylfaen"/>
       </a:minorFont>
     </a:fontScheme>
-    <a:fmtScheme name="Orbit">
+    <a:fmtScheme name="Executive">
       <a:fillStyleLst>
         <a:solidFill>
           <a:schemeClr val="phClr"/>
-        </a:solidFill>
-        <a:solidFill>
-          <a:schemeClr val="phClr">
-            <a:shade val="80000"/>
-          </a:schemeClr>
         </a:solidFill>
         <a:gradFill rotWithShape="1">
           <a:gsLst>
             <a:gs pos="0">
               <a:schemeClr val="phClr">
-                <a:shade val="30000"/>
-                <a:satMod val="100000"/>
+                <a:tint val="50000"/>
+                <a:satMod val="300000"/>
+              </a:schemeClr>
+            </a:gs>
+            <a:gs pos="35000">
+              <a:schemeClr val="phClr">
+                <a:tint val="37000"/>
+                <a:satMod val="300000"/>
+              </a:schemeClr>
+            </a:gs>
+            <a:gs pos="100000">
+              <a:schemeClr val="phClr">
+                <a:tint val="15000"/>
+                <a:satMod val="350000"/>
+              </a:schemeClr>
+            </a:gs>
+          </a:gsLst>
+          <a:lin ang="16200000" scaled="1"/>
+        </a:gradFill>
+        <a:gradFill rotWithShape="1">
+          <a:gsLst>
+            <a:gs pos="0">
+              <a:schemeClr val="phClr">
+                <a:shade val="51000"/>
+                <a:satMod val="130000"/>
               </a:schemeClr>
             </a:gs>
             <a:gs pos="80000">
               <a:schemeClr val="phClr">
-                <a:shade val="90000"/>
-                <a:satMod val="100000"/>
+                <a:shade val="93000"/>
+                <a:satMod val="130000"/>
               </a:schemeClr>
             </a:gs>
             <a:gs pos="100000">
               <a:schemeClr val="phClr">
-                <a:tint val="90000"/>
-                <a:shade val="100000"/>
-                <a:satMod val="150000"/>
+                <a:shade val="94000"/>
+                <a:satMod val="135000"/>
               </a:schemeClr>
             </a:gs>
           </a:gsLst>
@@ -4688,7 +4355,7 @@
         </a:gradFill>
       </a:fillStyleLst>
       <a:lnStyleLst>
-        <a:ln w="12700" cap="flat" cmpd="sng" algn="ctr">
+        <a:ln w="9525" cap="flat" cmpd="sng" algn="ctr">
           <a:solidFill>
             <a:schemeClr val="phClr">
               <a:shade val="95000"/>
@@ -4697,15 +4364,13 @@
           </a:solidFill>
           <a:prstDash val="solid"/>
         </a:ln>
-        <a:ln w="31750" cap="flat" cmpd="sng" algn="ctr">
+        <a:ln w="28575" cap="flat" cmpd="sng" algn="ctr">
           <a:solidFill>
-            <a:schemeClr val="phClr">
-              <a:shade val="90000"/>
-            </a:schemeClr>
+            <a:schemeClr val="phClr"/>
           </a:solidFill>
           <a:prstDash val="solid"/>
         </a:ln>
-        <a:ln w="76200" cap="flat" cmpd="sng" algn="ctr">
+        <a:ln w="50800" cap="flat" cmpd="sng" algn="ctr">
           <a:solidFill>
             <a:schemeClr val="phClr"/>
           </a:solidFill>
@@ -4714,22 +4379,28 @@
       </a:lnStyleLst>
       <a:effectStyleLst>
         <a:effectStyle>
-          <a:effectLst/>
-        </a:effectStyle>
-        <a:effectStyle>
           <a:effectLst>
-            <a:outerShdw blurRad="228600" dist="38100" dir="5400000" sx="104000" sy="104000" algn="ctr" rotWithShape="0">
+            <a:outerShdw blurRad="40000" dist="20000" dir="5400000" rotWithShape="0">
               <a:srgbClr val="000000">
-                <a:alpha val="80000"/>
+                <a:alpha val="38000"/>
               </a:srgbClr>
             </a:outerShdw>
           </a:effectLst>
         </a:effectStyle>
         <a:effectStyle>
           <a:effectLst>
-            <a:outerShdw blurRad="317500" dist="381000" dir="5400000" sx="90000" sy="20000" rotWithShape="0">
+            <a:outerShdw blurRad="40000" dist="23000" dir="5400000" rotWithShape="0">
               <a:srgbClr val="000000">
-                <a:alpha val="40000"/>
+                <a:alpha val="35000"/>
+              </a:srgbClr>
+            </a:outerShdw>
+          </a:effectLst>
+        </a:effectStyle>
+        <a:effectStyle>
+          <a:effectLst>
+            <a:outerShdw blurRad="40000" dist="23000" dir="5400000" rotWithShape="0">
+              <a:srgbClr val="000000">
+                <a:alpha val="35000"/>
               </a:srgbClr>
             </a:outerShdw>
           </a:effectLst>
@@ -4737,10 +4408,12 @@
             <a:camera prst="orthographicFront">
               <a:rot lat="0" lon="0" rev="0"/>
             </a:camera>
-            <a:lightRig rig="balanced" dir="t"/>
+            <a:lightRig rig="threePt" dir="t">
+              <a:rot lat="0" lon="0" rev="1200000"/>
+            </a:lightRig>
           </a:scene3d>
-          <a:sp3d prstMaterial="metal">
-            <a:bevelT w="25400" h="25400"/>
+          <a:sp3d>
+            <a:bevelT w="63500" h="25400"/>
           </a:sp3d>
         </a:effectStyle>
       </a:effectStyleLst>
@@ -4750,90 +4423,48 @@
         </a:solidFill>
         <a:gradFill rotWithShape="1">
           <a:gsLst>
-            <a:gs pos="0">
+            <a:gs pos="50000">
               <a:schemeClr val="phClr">
-                <a:tint val="40000"/>
-                <a:satMod val="350000"/>
+                <a:tint val="80000"/>
+                <a:satMod val="250000"/>
               </a:schemeClr>
             </a:gs>
-            <a:gs pos="40000">
+            <a:gs pos="76000">
               <a:schemeClr val="phClr">
-                <a:tint val="45000"/>
-                <a:shade val="99000"/>
-                <a:satMod val="350000"/>
+                <a:tint val="90000"/>
+                <a:shade val="90000"/>
+                <a:satMod val="200000"/>
               </a:schemeClr>
             </a:gs>
-            <a:gs pos="100000">
+            <a:gs pos="92000">
               <a:schemeClr val="phClr">
-                <a:shade val="20000"/>
-                <a:satMod val="255000"/>
+                <a:tint val="90000"/>
+                <a:shade val="70000"/>
+                <a:satMod val="250000"/>
               </a:schemeClr>
             </a:gs>
           </a:gsLst>
-          <a:lin ang="5400000" scaled="0"/>
+          <a:path path="circle">
+            <a:fillToRect l="50000" t="50000" r="50000" b="50000"/>
+          </a:path>
         </a:gradFill>
-        <a:blipFill rotWithShape="1">
+        <a:blipFill>
           <a:blip xmlns:r="http://schemas.openxmlformats.org/officeDocument/2006/relationships" r:embed="rId1">
             <a:duotone>
               <a:schemeClr val="phClr">
-                <a:shade val="1000"/>
-                <a:lumMod val="80000"/>
+                <a:tint val="95000"/>
               </a:schemeClr>
               <a:schemeClr val="phClr">
-                <a:satMod val="360000"/>
-                <a:lumMod val="140000"/>
+                <a:shade val="90000"/>
               </a:schemeClr>
             </a:duotone>
           </a:blip>
-          <a:stretch/>
+          <a:tile tx="0" ty="0" sx="100000" sy="100000" flip="none" algn="tl"/>
         </a:blipFill>
       </a:bgFillStyleLst>
     </a:fmtScheme>
   </a:themeElements>
-  <a:objectDefaults>
-    <a:spDef>
-      <a:spPr/>
-      <a:bodyPr rtlCol="0" anchor="ctr"/>
-      <a:lstStyle>
-        <a:defPPr algn="ctr">
-          <a:defRPr/>
-        </a:defPPr>
-      </a:lstStyle>
-      <a:style>
-        <a:lnRef idx="1">
-          <a:schemeClr val="accent1"/>
-        </a:lnRef>
-        <a:fillRef idx="3">
-          <a:schemeClr val="accent1"/>
-        </a:fillRef>
-        <a:effectRef idx="2">
-          <a:schemeClr val="accent1"/>
-        </a:effectRef>
-        <a:fontRef idx="minor">
-          <a:schemeClr val="lt1"/>
-        </a:fontRef>
-      </a:style>
-    </a:spDef>
-    <a:lnDef>
-      <a:spPr/>
-      <a:bodyPr/>
-      <a:lstStyle/>
-      <a:style>
-        <a:lnRef idx="2">
-          <a:schemeClr val="accent1"/>
-        </a:lnRef>
-        <a:fillRef idx="0">
-          <a:schemeClr val="accent1"/>
-        </a:fillRef>
-        <a:effectRef idx="1">
-          <a:schemeClr val="accent1"/>
-        </a:effectRef>
-        <a:fontRef idx="minor">
-          <a:schemeClr val="tx1"/>
-        </a:fontRef>
-      </a:style>
-    </a:lnDef>
-  </a:objectDefaults>
+  <a:objectDefaults/>
   <a:extraClrSchemeLst/>
 </a:theme>
 </file>